--- a/2.项目PPT/需求1.0PPT.pptx
+++ b/2.项目PPT/需求1.0PPT.pptx
@@ -5,15 +5,15 @@
     <p:sldMasterId id="2147483648" r:id="rId1"/>
   </p:sldMasterIdLst>
   <p:notesMasterIdLst>
-    <p:notesMasterId r:id="rId9"/>
+    <p:notesMasterId r:id="rId5"/>
   </p:notesMasterIdLst>
   <p:sldIdLst>
     <p:sldId id="256" r:id="rId3"/>
     <p:sldId id="265" r:id="rId4"/>
-    <p:sldId id="266" r:id="rId5"/>
-    <p:sldId id="267" r:id="rId6"/>
-    <p:sldId id="268" r:id="rId7"/>
-    <p:sldId id="264" r:id="rId8"/>
+    <p:sldId id="266" r:id="rId6"/>
+    <p:sldId id="267" r:id="rId7"/>
+    <p:sldId id="268" r:id="rId8"/>
+    <p:sldId id="264" r:id="rId9"/>
   </p:sldIdLst>
   <p:sldSz cx="9144000" cy="6858000" type="screen4x3"/>
   <p:notesSz cx="6858000" cy="9144000"/>
@@ -462,21 +462,330 @@
 </p:notesMaster>
 </file>
 
+<file path=ppt/notesSlides/notesSlide1.xml><?xml version="1.0" encoding="utf-8"?>
+<p:notes xmlns:a="http://schemas.openxmlformats.org/drawingml/2006/main" xmlns:r="http://schemas.openxmlformats.org/officeDocument/2006/relationships" xmlns:p="http://schemas.openxmlformats.org/presentationml/2006/main">
+  <p:cSld>
+    <p:spTree>
+      <p:nvGrpSpPr>
+        <p:cNvPr id="1" name=""/>
+        <p:cNvGrpSpPr/>
+        <p:nvPr/>
+      </p:nvGrpSpPr>
+      <p:grpSpPr/>
+      <p:sp>
+        <p:nvSpPr>
+          <p:cNvPr id="2" name="幻灯片图像占位符 1"/>
+          <p:cNvSpPr/>
+          <p:nvPr>
+            <p:ph type="sldImg" idx="2"/>
+          </p:nvPr>
+        </p:nvSpPr>
+        <p:spPr/>
+      </p:sp>
+      <p:sp>
+        <p:nvSpPr>
+          <p:cNvPr id="3" name="文本占位符 2"/>
+          <p:cNvSpPr/>
+          <p:nvPr>
+            <p:ph type="body" idx="3"/>
+          </p:nvPr>
+        </p:nvSpPr>
+        <p:spPr/>
+        <p:txBody>
+          <a:bodyPr/>
+          <a:p>
+            <a:r>
+              <a:rPr lang="en-US" altLang="zh-CN"/>
+              <a:t>1.</a:t>
+            </a:r>
+            <a:r>
+              <a:rPr lang="zh-CN" altLang="en-US"/>
+              <a:t>用户是谁</a:t>
+            </a:r>
+            <a:endParaRPr lang="zh-CN" altLang="en-US"/>
+          </a:p>
+          <a:p>
+            <a:r>
+              <a:rPr lang="en-US" altLang="zh-CN"/>
+              <a:t>2.</a:t>
+            </a:r>
+            <a:r>
+              <a:rPr lang="zh-CN" altLang="en-US"/>
+              <a:t>有哪些用例</a:t>
+            </a:r>
+            <a:endParaRPr lang="zh-CN" altLang="en-US"/>
+          </a:p>
+          <a:p>
+            <a:r>
+              <a:rPr lang="en-US" altLang="zh-CN"/>
+              <a:t>3.</a:t>
+            </a:r>
+            <a:r>
+              <a:rPr lang="zh-CN" altLang="en-US"/>
+              <a:t>日志记录不确定是不是用例</a:t>
+            </a:r>
+            <a:endParaRPr lang="zh-CN" altLang="en-US"/>
+          </a:p>
+          <a:p>
+            <a:r>
+              <a:rPr lang="en-US" altLang="zh-CN"/>
+              <a:t>4.</a:t>
+            </a:r>
+            <a:r>
+              <a:rPr lang="zh-CN" altLang="en-US"/>
+              <a:t>请求为</a:t>
+            </a:r>
+            <a:r>
+              <a:rPr lang="en-US" altLang="zh-CN"/>
+              <a:t>http</a:t>
+            </a:r>
+            <a:r>
+              <a:rPr lang="zh-CN" altLang="en-US"/>
+              <a:t>请求，默认不支持邮件协议</a:t>
+            </a:r>
+            <a:endParaRPr lang="zh-CN" altLang="en-US"/>
+          </a:p>
+        </p:txBody>
+      </p:sp>
+      <p:sp>
+        <p:nvSpPr>
+          <p:cNvPr id="4" name="灯片编号占位符 3"/>
+          <p:cNvSpPr>
+            <a:spLocks noGrp="1"/>
+          </p:cNvSpPr>
+          <p:nvPr>
+            <p:ph type="sldNum" sz="quarter" idx="5"/>
+          </p:nvPr>
+        </p:nvSpPr>
+        <p:spPr/>
+        <p:txBody>
+          <a:bodyPr/>
+          <a:p>
+            <a:fld id="{49B23D29-C40C-0346-802A-E643F7B2F847}" type="slidenum">
+              <a:rPr kumimoji="1" lang="zh-CN" altLang="en-US" smtClean="0"/>
+            </a:fld>
+            <a:endParaRPr kumimoji="1" lang="zh-CN" altLang="en-US"/>
+          </a:p>
+        </p:txBody>
+      </p:sp>
+    </p:spTree>
+  </p:cSld>
+  <p:clrMapOvr>
+    <a:masterClrMapping/>
+  </p:clrMapOvr>
+</p:notes>
+</file>
+
+<file path=ppt/notesSlides/notesSlide2.xml><?xml version="1.0" encoding="utf-8"?>
+<p:notes xmlns:a="http://schemas.openxmlformats.org/drawingml/2006/main" xmlns:r="http://schemas.openxmlformats.org/officeDocument/2006/relationships" xmlns:p="http://schemas.openxmlformats.org/presentationml/2006/main">
+  <p:cSld>
+    <p:spTree>
+      <p:nvGrpSpPr>
+        <p:cNvPr id="1" name=""/>
+        <p:cNvGrpSpPr/>
+        <p:nvPr/>
+      </p:nvGrpSpPr>
+      <p:grpSpPr/>
+      <p:sp>
+        <p:nvSpPr>
+          <p:cNvPr id="2" name="幻灯片图像占位符 1"/>
+          <p:cNvSpPr/>
+          <p:nvPr>
+            <p:ph type="sldImg" idx="2"/>
+          </p:nvPr>
+        </p:nvSpPr>
+        <p:spPr/>
+      </p:sp>
+      <p:sp>
+        <p:nvSpPr>
+          <p:cNvPr id="3" name="文本占位符 2"/>
+          <p:cNvSpPr/>
+          <p:nvPr>
+            <p:ph type="body" idx="3"/>
+          </p:nvPr>
+        </p:nvSpPr>
+        <p:spPr/>
+        <p:txBody>
+          <a:bodyPr/>
+          <a:p>
+            <a:r>
+              <a:rPr lang="zh-CN" altLang="en-US"/>
+              <a:t>使用</a:t>
+            </a:r>
+            <a:r>
+              <a:rPr lang="en-US" altLang="zh-CN"/>
+              <a:t>c</a:t>
+            </a:r>
+            <a:r>
+              <a:rPr lang="zh-CN" altLang="en-US"/>
+              <a:t>语言实现，没有面向对象</a:t>
+            </a:r>
+            <a:endParaRPr lang="zh-CN" altLang="en-US"/>
+          </a:p>
+        </p:txBody>
+      </p:sp>
+      <p:sp>
+        <p:nvSpPr>
+          <p:cNvPr id="4" name="灯片编号占位符 3"/>
+          <p:cNvSpPr>
+            <a:spLocks noGrp="1"/>
+          </p:cNvSpPr>
+          <p:nvPr>
+            <p:ph type="sldNum" sz="quarter" idx="5"/>
+          </p:nvPr>
+        </p:nvSpPr>
+        <p:spPr/>
+        <p:txBody>
+          <a:bodyPr/>
+          <a:p>
+            <a:fld id="{49B23D29-C40C-0346-802A-E643F7B2F847}" type="slidenum">
+              <a:rPr kumimoji="1" lang="zh-CN" altLang="en-US" smtClean="0"/>
+            </a:fld>
+            <a:endParaRPr kumimoji="1" lang="zh-CN" altLang="en-US"/>
+          </a:p>
+        </p:txBody>
+      </p:sp>
+    </p:spTree>
+  </p:cSld>
+  <p:clrMapOvr>
+    <a:masterClrMapping/>
+  </p:clrMapOvr>
+</p:notes>
+</file>
+
+<file path=ppt/notesSlides/notesSlide3.xml><?xml version="1.0" encoding="utf-8"?>
+<p:notes xmlns:a="http://schemas.openxmlformats.org/drawingml/2006/main" xmlns:r="http://schemas.openxmlformats.org/officeDocument/2006/relationships" xmlns:p="http://schemas.openxmlformats.org/presentationml/2006/main">
+  <p:cSld>
+    <p:spTree>
+      <p:nvGrpSpPr>
+        <p:cNvPr id="1" name=""/>
+        <p:cNvGrpSpPr/>
+        <p:nvPr/>
+      </p:nvGrpSpPr>
+      <p:grpSpPr/>
+      <p:sp>
+        <p:nvSpPr>
+          <p:cNvPr id="2" name="幻灯片图像占位符 1"/>
+          <p:cNvSpPr/>
+          <p:nvPr>
+            <p:ph type="sldImg" idx="2"/>
+          </p:nvPr>
+        </p:nvSpPr>
+        <p:spPr/>
+      </p:sp>
+      <p:sp>
+        <p:nvSpPr>
+          <p:cNvPr id="3" name="文本占位符 2"/>
+          <p:cNvSpPr/>
+          <p:nvPr>
+            <p:ph type="body" idx="3"/>
+          </p:nvPr>
+        </p:nvSpPr>
+        <p:spPr/>
+        <p:txBody>
+          <a:bodyPr/>
+          <a:p>
+            <a:endParaRPr lang="zh-CN" altLang="en-US"/>
+          </a:p>
+        </p:txBody>
+      </p:sp>
+      <p:sp>
+        <p:nvSpPr>
+          <p:cNvPr id="4" name="灯片编号占位符 3"/>
+          <p:cNvSpPr>
+            <a:spLocks noGrp="1"/>
+          </p:cNvSpPr>
+          <p:nvPr>
+            <p:ph type="sldNum" sz="quarter" idx="5"/>
+          </p:nvPr>
+        </p:nvSpPr>
+        <p:spPr/>
+        <p:txBody>
+          <a:bodyPr/>
+          <a:p>
+            <a:fld id="{49B23D29-C40C-0346-802A-E643F7B2F847}" type="slidenum">
+              <a:rPr kumimoji="1" lang="zh-CN" altLang="en-US" smtClean="0"/>
+            </a:fld>
+            <a:endParaRPr kumimoji="1" lang="zh-CN" altLang="en-US"/>
+          </a:p>
+        </p:txBody>
+      </p:sp>
+    </p:spTree>
+  </p:cSld>
+  <p:clrMapOvr>
+    <a:masterClrMapping/>
+  </p:clrMapOvr>
+</p:notes>
+</file>
+
+<file path=ppt/notesSlides/notesSlide4.xml><?xml version="1.0" encoding="utf-8"?>
+<p:notes xmlns:a="http://schemas.openxmlformats.org/drawingml/2006/main" xmlns:r="http://schemas.openxmlformats.org/officeDocument/2006/relationships" xmlns:p="http://schemas.openxmlformats.org/presentationml/2006/main">
+  <p:cSld>
+    <p:spTree>
+      <p:nvGrpSpPr>
+        <p:cNvPr id="1" name=""/>
+        <p:cNvGrpSpPr/>
+        <p:nvPr/>
+      </p:nvGrpSpPr>
+      <p:grpSpPr/>
+      <p:sp>
+        <p:nvSpPr>
+          <p:cNvPr id="2" name="幻灯片图像占位符 1"/>
+          <p:cNvSpPr/>
+          <p:nvPr>
+            <p:ph type="sldImg" idx="2"/>
+          </p:nvPr>
+        </p:nvSpPr>
+        <p:spPr/>
+      </p:sp>
+      <p:sp>
+        <p:nvSpPr>
+          <p:cNvPr id="3" name="文本占位符 2"/>
+          <p:cNvSpPr/>
+          <p:nvPr>
+            <p:ph type="body" idx="3"/>
+          </p:nvPr>
+        </p:nvSpPr>
+        <p:spPr/>
+        <p:txBody>
+          <a:bodyPr/>
+          <a:p>
+            <a:endParaRPr lang="zh-CN" altLang="en-US"/>
+          </a:p>
+        </p:txBody>
+      </p:sp>
+      <p:sp>
+        <p:nvSpPr>
+          <p:cNvPr id="4" name="灯片编号占位符 3"/>
+          <p:cNvSpPr>
+            <a:spLocks noGrp="1"/>
+          </p:cNvSpPr>
+          <p:nvPr>
+            <p:ph type="sldNum" sz="quarter" idx="5"/>
+          </p:nvPr>
+        </p:nvSpPr>
+        <p:spPr/>
+        <p:txBody>
+          <a:bodyPr/>
+          <a:p>
+            <a:fld id="{49B23D29-C40C-0346-802A-E643F7B2F847}" type="slidenum">
+              <a:rPr kumimoji="1" lang="zh-CN" altLang="en-US" smtClean="0"/>
+            </a:fld>
+            <a:endParaRPr kumimoji="1" lang="zh-CN" altLang="en-US"/>
+          </a:p>
+        </p:txBody>
+      </p:sp>
+    </p:spTree>
+  </p:cSld>
+  <p:clrMapOvr>
+    <a:masterClrMapping/>
+  </p:clrMapOvr>
+</p:notes>
+</file>
+
 <file path=ppt/slideLayouts/slideLayout1.xml><?xml version="1.0" encoding="utf-8"?>
-<p:sldLayout xmlns:a="http://schemas.openxmlformats.org/drawingml/2006/main" xmlns:r="http://schemas.openxmlformats.org/officeDocument/2006/relationships" xmlns:p="http://schemas.openxmlformats.org/presentationml/2006/main" type="title" preserve="1">
+<p:sldLayout xmlns:a="http://schemas.openxmlformats.org/drawingml/2006/main" xmlns:r="http://schemas.openxmlformats.org/officeDocument/2006/relationships" xmlns:p="http://schemas.openxmlformats.org/presentationml/2006/main" preserve="1" userDrawn="1">
   <p:cSld name="标题幻灯片">
-    <p:bg bwMode="auto">
-      <p:bgPr>
-        <a:blipFill dpi="0" rotWithShape="0">
-          <a:blip r:embed="rId2"/>
-          <a:srcRect/>
-          <a:stretch>
-            <a:fillRect/>
-          </a:stretch>
-        </a:blipFill>
-        <a:effectLst/>
-      </p:bgPr>
-    </p:bg>
     <p:spTree>
       <p:nvGrpSpPr>
         <p:cNvPr id="1" name=""/>
@@ -503,19 +812,79 @@
         </p:nvSpPr>
         <p:spPr>
           <a:xfrm>
-            <a:off x="685800" y="3498850"/>
-            <a:ext cx="7772400" cy="676275"/>
+            <a:off x="342900" y="2927350"/>
+            <a:ext cx="8482013" cy="642938"/>
+          </a:xfrm>
+          <a:extLst>
+            <a:ext uri="{AF507438-7753-43E0-B8FC-AC1667EBCBE1}">
+              <a14:hiddenEffects xmlns:a14="http://schemas.microsoft.com/office/drawing/2010/main">
+                <a:effectLst>
+                  <a:outerShdw dist="35921" dir="2700000" algn="ctr" rotWithShape="0">
+                    <a:srgbClr val="808080"/>
+                  </a:outerShdw>
+                </a:effectLst>
+              </a14:hiddenEffects>
+            </a:ext>
+          </a:extLst>
+        </p:spPr>
+        <p:txBody>
+          <a:bodyPr wrap="square" lIns="90170" tIns="46990" rIns="90170" bIns="46990" anchor="t"/>
+          <a:lstStyle>
+            <a:lvl1pPr eaLnBrk="1" hangingPunct="1">
+              <a:buFont typeface="Arial" pitchFamily="34" charset="0"/>
+              <a:buNone/>
+              <a:defRPr>
+                <a:solidFill>
+                  <a:srgbClr val="328754"/>
+                </a:solidFill>
+                <a:sym typeface="Arial" pitchFamily="34" charset="0"/>
+              </a:defRPr>
+            </a:lvl1pPr>
+          </a:lstStyle>
+          <a:p>
+            <a:pPr lvl="0"/>
+            <a:r>
+              <a:rPr lang="zh-CN" noProof="0" smtClean="0">
+                <a:sym typeface="Arial" pitchFamily="34" charset="0"/>
+              </a:rPr>
+              <a:t>单击此处编辑母版标题样式</a:t>
+            </a:r>
+            <a:endParaRPr lang="zh-CN" noProof="0" smtClean="0">
+              <a:sym typeface="Arial" pitchFamily="34" charset="0"/>
+            </a:endParaRPr>
+          </a:p>
+        </p:txBody>
+      </p:sp>
+      <p:sp>
+        <p:nvSpPr>
+          <p:cNvPr id="2051" name="Rectangle 3"/>
+          <p:cNvSpPr>
+            <a:spLocks noGrp="1" noChangeArrowheads="1"/>
+          </p:cNvSpPr>
+          <p:nvPr>
+            <p:ph type="subTitle" idx="1"/>
+          </p:nvPr>
+        </p:nvSpPr>
+        <p:spPr>
+          <a:xfrm>
+            <a:off x="1860550" y="3638550"/>
+            <a:ext cx="5445125" cy="731838"/>
           </a:xfrm>
         </p:spPr>
         <p:txBody>
-          <a:bodyPr lIns="90170" tIns="46990" rIns="90170" bIns="46990">
-            <a:normAutofit/>
-          </a:bodyPr>
+          <a:bodyPr wrap="square" lIns="90170" tIns="46990" rIns="90170" bIns="46990" anchor="ctr"/>
           <a:lstStyle>
-            <a:lvl1pPr algn="ctr">
-              <a:defRPr sz="4000">
+            <a:lvl1pPr marL="0" indent="0" algn="ctr">
+              <a:lnSpc>
+                <a:spcPct val="120000"/>
+              </a:lnSpc>
+              <a:buClrTx/>
+              <a:buSzTx/>
+              <a:buFont typeface="Arial" pitchFamily="34" charset="0"/>
+              <a:buNone/>
+              <a:defRPr>
                 <a:solidFill>
-                  <a:srgbClr val="474E52"/>
+                  <a:srgbClr val="69531E"/>
                 </a:solidFill>
               </a:defRPr>
             </a:lvl1pPr>
@@ -523,55 +892,12 @@
           <a:p>
             <a:pPr lvl="0"/>
             <a:r>
-              <a:rPr lang="zh-CN" altLang="zh-CN" noProof="0" dirty="0" smtClean="0">
-                <a:sym typeface="Arial" pitchFamily="34" charset="0"/>
-              </a:rPr>
-              <a:t>单击此处编辑母版标题样式</a:t>
-            </a:r>
-            <a:endParaRPr lang="zh-CN" altLang="zh-CN" noProof="0" dirty="0" smtClean="0">
-              <a:sym typeface="Arial" pitchFamily="34" charset="0"/>
-            </a:endParaRPr>
-          </a:p>
-        </p:txBody>
-      </p:sp>
-      <p:sp>
-        <p:nvSpPr>
-          <p:cNvPr id="2051" name="Rectangle 3"/>
-          <p:cNvSpPr>
-            <a:spLocks noGrp="1" noChangeArrowheads="1"/>
-          </p:cNvSpPr>
-          <p:nvPr>
-            <p:ph type="subTitle" idx="1"/>
-          </p:nvPr>
-        </p:nvSpPr>
-        <p:spPr>
-          <a:xfrm>
-            <a:off x="1371600" y="4291013"/>
-            <a:ext cx="6400800" cy="431800"/>
-          </a:xfrm>
-        </p:spPr>
-        <p:txBody>
-          <a:bodyPr lIns="90170" tIns="46990" rIns="90170" bIns="46990" anchor="ctr">
-            <a:normAutofit/>
-          </a:bodyPr>
-          <a:lstStyle>
-            <a:lvl1pPr algn="ctr">
-              <a:defRPr sz="2400">
-                <a:solidFill>
-                  <a:srgbClr val="474E52"/>
-                </a:solidFill>
-              </a:defRPr>
-            </a:lvl1pPr>
-          </a:lstStyle>
-          <a:p>
-            <a:pPr lvl="0"/>
-            <a:r>
-              <a:rPr lang="zh-CN" altLang="zh-CN" noProof="0" dirty="0" smtClean="0">
+              <a:rPr lang="zh-CN" noProof="0" dirty="0" smtClean="0">
                 <a:sym typeface="Arial" pitchFamily="34" charset="0"/>
               </a:rPr>
               <a:t>单击此处编辑母版副标题样式</a:t>
             </a:r>
-            <a:endParaRPr lang="zh-CN" altLang="zh-CN" noProof="0" dirty="0" smtClean="0">
+            <a:endParaRPr lang="zh-CN" noProof="0" dirty="0" smtClean="0">
               <a:sym typeface="Arial" pitchFamily="34" charset="0"/>
             </a:endParaRPr>
           </a:p>
@@ -579,20 +905,292 @@
       </p:sp>
       <p:sp>
         <p:nvSpPr>
-          <p:cNvPr id="2" name="日期占位符 1"/>
-          <p:cNvSpPr>
-            <a:spLocks noGrp="1"/>
-          </p:cNvSpPr>
-          <p:nvPr>
-            <p:ph type="dt" sz="half" idx="10"/>
-          </p:nvPr>
-        </p:nvSpPr>
-        <p:spPr/>
+          <p:cNvPr id="2052" name="ksoSlideStyle" descr="#wm#_29_01_110_1101" hidden="1"/>
+          <p:cNvSpPr>
+            <a:spLocks noChangeArrowheads="1"/>
+          </p:cNvSpPr>
+          <p:nvPr/>
+        </p:nvSpPr>
+        <p:spPr bwMode="auto">
+          <a:xfrm>
+            <a:off x="0" y="0"/>
+            <a:ext cx="12700" cy="12700"/>
+          </a:xfrm>
+          <a:prstGeom prst="rect">
+            <a:avLst/>
+          </a:prstGeom>
+          <a:solidFill>
+            <a:schemeClr val="accent1"/>
+          </a:solidFill>
+          <a:ln w="9525" cap="flat" cmpd="sng">
+            <a:solidFill>
+              <a:schemeClr val="tx1"/>
+            </a:solidFill>
+            <a:miter lim="800000"/>
+          </a:ln>
+          <a:effectLst/>
+          <a:extLst>
+            <a:ext uri="{AF507438-7753-43E0-B8FC-AC1667EBCBE1}">
+              <a14:hiddenEffects xmlns:a14="http://schemas.microsoft.com/office/drawing/2010/main">
+                <a:effectLst>
+                  <a:outerShdw dist="35921" dir="2700000" algn="ctr" rotWithShape="0">
+                    <a:schemeClr val="bg2"/>
+                  </a:outerShdw>
+                </a:effectLst>
+              </a14:hiddenEffects>
+            </a:ext>
+          </a:extLst>
+        </p:spPr>
         <p:txBody>
           <a:bodyPr/>
           <a:lstStyle/>
           <a:p>
-            <a:fld id="{BECE1962-2E07-4986-9530-9B9C1DA0450A}" type="datetimeFigureOut">
+            <a:endParaRPr lang="zh-CN" altLang="en-US"/>
+          </a:p>
+        </p:txBody>
+      </p:sp>
+      <p:pic>
+        <p:nvPicPr>
+          <p:cNvPr id="2053" name="Picture 3" descr="#wm#_29_01_*Z"/>
+          <p:cNvPicPr>
+            <a:picLocks noChangeAspect="1" noChangeArrowheads="1"/>
+          </p:cNvPicPr>
+          <p:nvPr/>
+        </p:nvPicPr>
+        <p:blipFill>
+          <a:blip r:embed="rId2">
+            <a:extLst>
+              <a:ext uri="{28A0092B-C50C-407E-A947-70E740481C1C}">
+                <a14:useLocalDpi xmlns:a14="http://schemas.microsoft.com/office/drawing/2010/main" val="0"/>
+              </a:ext>
+            </a:extLst>
+          </a:blip>
+          <a:srcRect/>
+          <a:stretch>
+            <a:fillRect/>
+          </a:stretch>
+        </p:blipFill>
+        <p:spPr bwMode="auto">
+          <a:xfrm>
+            <a:off x="4391025" y="895350"/>
+            <a:ext cx="1870075" cy="1946275"/>
+          </a:xfrm>
+          <a:prstGeom prst="rect">
+            <a:avLst/>
+          </a:prstGeom>
+          <a:noFill/>
+          <a:ln>
+            <a:noFill/>
+          </a:ln>
+          <a:effectLst/>
+          <a:extLst>
+            <a:ext uri="{909E8E84-426E-40DD-AFC4-6F175D3DCCD1}">
+              <a14:hiddenFill xmlns:a14="http://schemas.microsoft.com/office/drawing/2010/main">
+                <a:solidFill>
+                  <a:srgbClr val="FFFFFF"/>
+                </a:solidFill>
+              </a14:hiddenFill>
+            </a:ext>
+            <a:ext uri="{91240B29-F687-4F45-9708-019B960494DF}">
+              <a14:hiddenLine xmlns:a14="http://schemas.microsoft.com/office/drawing/2010/main" w="9525">
+                <a:solidFill>
+                  <a:srgbClr val="000000"/>
+                </a:solidFill>
+                <a:miter lim="800000"/>
+                <a:headEnd/>
+                <a:tailEnd/>
+              </a14:hiddenLine>
+            </a:ext>
+            <a:ext uri="{AF507438-7753-43E0-B8FC-AC1667EBCBE1}">
+              <a14:hiddenEffects xmlns:a14="http://schemas.microsoft.com/office/drawing/2010/main">
+                <a:effectLst>
+                  <a:outerShdw dist="35921" dir="2700000" algn="ctr" rotWithShape="0">
+                    <a:srgbClr val="808080"/>
+                  </a:outerShdw>
+                </a:effectLst>
+              </a14:hiddenEffects>
+            </a:ext>
+          </a:extLst>
+        </p:spPr>
+      </p:pic>
+      <p:pic>
+        <p:nvPicPr>
+          <p:cNvPr id="2054" name="Picture 9" descr="#wm#_29_01_*Z"/>
+          <p:cNvPicPr>
+            <a:picLocks noChangeAspect="1" noChangeArrowheads="1"/>
+          </p:cNvPicPr>
+          <p:nvPr/>
+        </p:nvPicPr>
+        <p:blipFill>
+          <a:blip r:embed="rId3">
+            <a:extLst>
+              <a:ext uri="{28A0092B-C50C-407E-A947-70E740481C1C}">
+                <a14:useLocalDpi xmlns:a14="http://schemas.microsoft.com/office/drawing/2010/main" val="0"/>
+              </a:ext>
+            </a:extLst>
+          </a:blip>
+          <a:srcRect/>
+          <a:stretch>
+            <a:fillRect/>
+          </a:stretch>
+        </p:blipFill>
+        <p:spPr bwMode="auto">
+          <a:xfrm>
+            <a:off x="2925763" y="1239838"/>
+            <a:ext cx="1420812" cy="1508125"/>
+          </a:xfrm>
+          <a:prstGeom prst="rect">
+            <a:avLst/>
+          </a:prstGeom>
+          <a:noFill/>
+          <a:ln>
+            <a:noFill/>
+          </a:ln>
+          <a:effectLst/>
+          <a:extLst>
+            <a:ext uri="{909E8E84-426E-40DD-AFC4-6F175D3DCCD1}">
+              <a14:hiddenFill xmlns:a14="http://schemas.microsoft.com/office/drawing/2010/main">
+                <a:solidFill>
+                  <a:srgbClr val="FFFFFF"/>
+                </a:solidFill>
+              </a14:hiddenFill>
+            </a:ext>
+            <a:ext uri="{91240B29-F687-4F45-9708-019B960494DF}">
+              <a14:hiddenLine xmlns:a14="http://schemas.microsoft.com/office/drawing/2010/main" w="9525">
+                <a:solidFill>
+                  <a:srgbClr val="000000"/>
+                </a:solidFill>
+                <a:miter lim="800000"/>
+                <a:headEnd/>
+                <a:tailEnd/>
+              </a14:hiddenLine>
+            </a:ext>
+            <a:ext uri="{AF507438-7753-43E0-B8FC-AC1667EBCBE1}">
+              <a14:hiddenEffects xmlns:a14="http://schemas.microsoft.com/office/drawing/2010/main">
+                <a:effectLst>
+                  <a:outerShdw dist="35921" dir="2700000" algn="ctr" rotWithShape="0">
+                    <a:srgbClr val="808080"/>
+                  </a:outerShdw>
+                </a:effectLst>
+              </a14:hiddenEffects>
+            </a:ext>
+          </a:extLst>
+        </p:spPr>
+      </p:pic>
+      <p:sp>
+        <p:nvSpPr>
+          <p:cNvPr id="2055" name="Line 14" descr="#wm#_29_1_*Z"/>
+          <p:cNvSpPr>
+            <a:spLocks noChangeShapeType="1"/>
+          </p:cNvSpPr>
+          <p:nvPr/>
+        </p:nvSpPr>
+        <p:spPr bwMode="auto">
+          <a:xfrm>
+            <a:off x="1825625" y="3810000"/>
+            <a:ext cx="1588" cy="390525"/>
+          </a:xfrm>
+          <a:prstGeom prst="line">
+            <a:avLst/>
+          </a:prstGeom>
+          <a:noFill/>
+          <a:ln w="9525" cap="flat" cmpd="sng">
+            <a:solidFill>
+              <a:srgbClr val="69531E"/>
+            </a:solidFill>
+            <a:round/>
+          </a:ln>
+          <a:effectLst/>
+          <a:extLst>
+            <a:ext uri="{909E8E84-426E-40DD-AFC4-6F175D3DCCD1}">
+              <a14:hiddenFill xmlns:a14="http://schemas.microsoft.com/office/drawing/2010/main">
+                <a:noFill/>
+              </a14:hiddenFill>
+            </a:ext>
+            <a:ext uri="{AF507438-7753-43E0-B8FC-AC1667EBCBE1}">
+              <a14:hiddenEffects xmlns:a14="http://schemas.microsoft.com/office/drawing/2010/main">
+                <a:effectLst>
+                  <a:outerShdw dist="35921" dir="2700000" algn="ctr" rotWithShape="0">
+                    <a:schemeClr val="bg2"/>
+                  </a:outerShdw>
+                </a:effectLst>
+              </a14:hiddenEffects>
+            </a:ext>
+          </a:extLst>
+        </p:spPr>
+        <p:txBody>
+          <a:bodyPr/>
+          <a:lstStyle/>
+          <a:p>
+            <a:endParaRPr lang="zh-CN" altLang="en-US"/>
+          </a:p>
+        </p:txBody>
+      </p:sp>
+      <p:sp>
+        <p:nvSpPr>
+          <p:cNvPr id="2056" name="Line 15" descr="#wm#_29_1_*Z"/>
+          <p:cNvSpPr>
+            <a:spLocks noChangeShapeType="1"/>
+          </p:cNvSpPr>
+          <p:nvPr/>
+        </p:nvSpPr>
+        <p:spPr bwMode="auto">
+          <a:xfrm>
+            <a:off x="7335838" y="3810000"/>
+            <a:ext cx="1587" cy="390525"/>
+          </a:xfrm>
+          <a:prstGeom prst="line">
+            <a:avLst/>
+          </a:prstGeom>
+          <a:noFill/>
+          <a:ln w="9525" cap="flat" cmpd="sng">
+            <a:solidFill>
+              <a:srgbClr val="69531E"/>
+            </a:solidFill>
+            <a:round/>
+          </a:ln>
+          <a:effectLst/>
+          <a:extLst>
+            <a:ext uri="{909E8E84-426E-40DD-AFC4-6F175D3DCCD1}">
+              <a14:hiddenFill xmlns:a14="http://schemas.microsoft.com/office/drawing/2010/main">
+                <a:noFill/>
+              </a14:hiddenFill>
+            </a:ext>
+            <a:ext uri="{AF507438-7753-43E0-B8FC-AC1667EBCBE1}">
+              <a14:hiddenEffects xmlns:a14="http://schemas.microsoft.com/office/drawing/2010/main">
+                <a:effectLst>
+                  <a:outerShdw dist="35921" dir="2700000" algn="ctr" rotWithShape="0">
+                    <a:schemeClr val="bg2"/>
+                  </a:outerShdw>
+                </a:effectLst>
+              </a14:hiddenEffects>
+            </a:ext>
+          </a:extLst>
+        </p:spPr>
+        <p:txBody>
+          <a:bodyPr/>
+          <a:lstStyle/>
+          <a:p>
+            <a:endParaRPr lang="zh-CN" altLang="en-US"/>
+          </a:p>
+        </p:txBody>
+      </p:sp>
+      <p:sp>
+        <p:nvSpPr>
+          <p:cNvPr id="2" name="日期占位符 1"/>
+          <p:cNvSpPr>
+            <a:spLocks noGrp="1"/>
+          </p:cNvSpPr>
+          <p:nvPr>
+            <p:ph type="dt" sz="half" idx="10"/>
+          </p:nvPr>
+        </p:nvSpPr>
+        <p:spPr/>
+        <p:txBody>
+          <a:bodyPr/>
+          <a:lstStyle/>
+          <a:p>
+            <a:fld id="{5CB1A4EA-703F-434D-840B-7B736DC1F13A}" type="datetimeFigureOut">
               <a:rPr lang="zh-CN" altLang="en-US" smtClean="0"/>
             </a:fld>
             <a:endParaRPr lang="zh-CN" altLang="en-US"/>
@@ -633,7 +1231,7 @@
           <a:bodyPr/>
           <a:lstStyle/>
           <a:p>
-            <a:fld id="{07459E9C-D3C6-4515-99A0-01A69CEF9CD6}" type="slidenum">
+            <a:fld id="{6E96FF8D-76E8-4D51-A009-0CC74EA039FA}" type="slidenum">
               <a:rPr lang="zh-CN" altLang="en-US" smtClean="0"/>
             </a:fld>
             <a:endParaRPr lang="zh-CN" altLang="en-US"/>
@@ -752,12 +1350,7 @@
             <p:ph type="dt" sz="half" idx="10"/>
           </p:nvPr>
         </p:nvSpPr>
-        <p:spPr>
-          <a:xfrm>
-            <a:off x="625765" y="6245225"/>
-            <a:ext cx="2133600" cy="476250"/>
-          </a:xfrm>
-        </p:spPr>
+        <p:spPr/>
         <p:txBody>
           <a:bodyPr/>
           <a:lstStyle/>
@@ -798,12 +1391,7 @@
             <p:ph type="sldNum" sz="quarter" idx="12"/>
           </p:nvPr>
         </p:nvSpPr>
-        <p:spPr>
-          <a:xfrm>
-            <a:off x="6384635" y="6245225"/>
-            <a:ext cx="2133600" cy="476250"/>
-          </a:xfrm>
-        </p:spPr>
+        <p:spPr/>
         <p:txBody>
           <a:bodyPr/>
           <a:lstStyle/>
@@ -850,27 +1438,97 @@
             <p:ph type="title"/>
           </p:nvPr>
         </p:nvSpPr>
-        <p:spPr/>
+        <p:spPr>
+          <a:xfrm>
+            <a:off x="457200" y="773399"/>
+            <a:ext cx="8229600" cy="1143000"/>
+          </a:xfrm>
+        </p:spPr>
+        <p:txBody>
+          <a:bodyPr/>
+          <a:lstStyle>
+            <a:lvl1pPr>
+              <a:defRPr sz="3600"/>
+            </a:lvl1pPr>
+          </a:lstStyle>
+          <a:p>
+            <a:r>
+              <a:rPr lang="zh-CN" altLang="en-US" smtClean="0"/>
+              <a:t>单击此处编辑母版标题样式</a:t>
+            </a:r>
+            <a:endParaRPr lang="zh-CN" altLang="en-US"/>
+          </a:p>
+        </p:txBody>
+      </p:sp>
+      <p:sp>
+        <p:nvSpPr>
+          <p:cNvPr id="3" name="内容占位符 2"/>
+          <p:cNvSpPr>
+            <a:spLocks noGrp="1"/>
+          </p:cNvSpPr>
+          <p:nvPr>
+            <p:ph idx="1"/>
+          </p:nvPr>
+        </p:nvSpPr>
+        <p:spPr>
+          <a:xfrm>
+            <a:off x="457200" y="2063336"/>
+            <a:ext cx="8229600" cy="4525963"/>
+          </a:xfrm>
+        </p:spPr>
         <p:txBody>
           <a:bodyPr/>
           <a:lstStyle/>
           <a:p>
-            <a:r>
-              <a:rPr lang="zh-CN" altLang="en-US" smtClean="0"/>
-              <a:t>单击此处编辑母版标题样式</a:t>
-            </a:r>
-            <a:endParaRPr lang="zh-CN" altLang="en-US"/>
-          </a:p>
-        </p:txBody>
-      </p:sp>
-      <p:sp>
-        <p:nvSpPr>
-          <p:cNvPr id="3" name="内容占位符 2"/>
-          <p:cNvSpPr>
-            <a:spLocks noGrp="1"/>
-          </p:cNvSpPr>
-          <p:nvPr>
-            <p:ph idx="1"/>
+            <a:pPr lvl="0"/>
+            <a:r>
+              <a:rPr lang="zh-CN" altLang="en-US" dirty="0" smtClean="0"/>
+              <a:t>单击此处编辑母版文本样式</a:t>
+            </a:r>
+            <a:endParaRPr lang="zh-CN" altLang="en-US" dirty="0" smtClean="0"/>
+          </a:p>
+          <a:p>
+            <a:pPr lvl="1"/>
+            <a:r>
+              <a:rPr lang="zh-CN" altLang="en-US" dirty="0" smtClean="0"/>
+              <a:t>第二级</a:t>
+            </a:r>
+            <a:endParaRPr lang="zh-CN" altLang="en-US" dirty="0" smtClean="0"/>
+          </a:p>
+          <a:p>
+            <a:pPr lvl="2"/>
+            <a:r>
+              <a:rPr lang="zh-CN" altLang="en-US" dirty="0" smtClean="0"/>
+              <a:t>第三级</a:t>
+            </a:r>
+            <a:endParaRPr lang="zh-CN" altLang="en-US" dirty="0" smtClean="0"/>
+          </a:p>
+          <a:p>
+            <a:pPr lvl="3"/>
+            <a:r>
+              <a:rPr lang="zh-CN" altLang="en-US" dirty="0" smtClean="0"/>
+              <a:t>第四级</a:t>
+            </a:r>
+            <a:endParaRPr lang="zh-CN" altLang="en-US" dirty="0" smtClean="0"/>
+          </a:p>
+          <a:p>
+            <a:pPr lvl="4"/>
+            <a:r>
+              <a:rPr lang="zh-CN" altLang="en-US" dirty="0" smtClean="0"/>
+              <a:t>第五级</a:t>
+            </a:r>
+            <a:endParaRPr lang="zh-CN" altLang="en-US" dirty="0"/>
+          </a:p>
+        </p:txBody>
+      </p:sp>
+      <p:sp>
+        <p:nvSpPr>
+          <p:cNvPr id="4" name="日期占位符 3"/>
+          <p:cNvSpPr>
+            <a:spLocks noGrp="1"/>
+          </p:cNvSpPr>
+          <p:nvPr>
+            <p:ph type="dt" sz="half" idx="10"/>
           </p:nvPr>
         </p:nvSpPr>
         <p:spPr/>
@@ -878,63 +1536,7 @@
           <a:bodyPr/>
           <a:lstStyle/>
           <a:p>
-            <a:pPr lvl="0"/>
-            <a:r>
-              <a:rPr lang="zh-CN" altLang="en-US" dirty="0" smtClean="0"/>
-              <a:t>单击此处编辑母版文本样式</a:t>
-            </a:r>
-            <a:endParaRPr lang="zh-CN" altLang="en-US" dirty="0" smtClean="0"/>
-          </a:p>
-          <a:p>
-            <a:pPr lvl="1"/>
-            <a:r>
-              <a:rPr lang="zh-CN" altLang="en-US" dirty="0" smtClean="0"/>
-              <a:t>第二级</a:t>
-            </a:r>
-            <a:endParaRPr lang="zh-CN" altLang="en-US" dirty="0" smtClean="0"/>
-          </a:p>
-          <a:p>
-            <a:pPr lvl="2"/>
-            <a:r>
-              <a:rPr lang="zh-CN" altLang="en-US" dirty="0" smtClean="0"/>
-              <a:t>第三级</a:t>
-            </a:r>
-            <a:endParaRPr lang="zh-CN" altLang="en-US" dirty="0" smtClean="0"/>
-          </a:p>
-          <a:p>
-            <a:pPr lvl="3"/>
-            <a:r>
-              <a:rPr lang="zh-CN" altLang="en-US" dirty="0" smtClean="0"/>
-              <a:t>第四级</a:t>
-            </a:r>
-            <a:endParaRPr lang="zh-CN" altLang="en-US" dirty="0" smtClean="0"/>
-          </a:p>
-          <a:p>
-            <a:pPr lvl="4"/>
-            <a:r>
-              <a:rPr lang="zh-CN" altLang="en-US" dirty="0" smtClean="0"/>
-              <a:t>第五级</a:t>
-            </a:r>
-            <a:endParaRPr lang="zh-CN" altLang="en-US" dirty="0"/>
-          </a:p>
-        </p:txBody>
-      </p:sp>
-      <p:sp>
-        <p:nvSpPr>
-          <p:cNvPr id="4" name="日期占位符 3"/>
-          <p:cNvSpPr>
-            <a:spLocks noGrp="1"/>
-          </p:cNvSpPr>
-          <p:nvPr>
-            <p:ph type="dt" sz="half" idx="10"/>
-          </p:nvPr>
-        </p:nvSpPr>
-        <p:spPr/>
-        <p:txBody>
-          <a:bodyPr/>
-          <a:lstStyle/>
-          <a:p>
-            <a:fld id="{6EF2F5ED-D19D-4097-92A9-D6092B3D6E68}" type="datetimeFigureOut">
+            <a:fld id="{5CB1A4EA-703F-434D-840B-7B736DC1F13A}" type="datetimeFigureOut">
               <a:rPr lang="zh-CN" altLang="en-US" smtClean="0"/>
             </a:fld>
             <a:endParaRPr lang="zh-CN" altLang="en-US"/>
@@ -975,7 +1577,7 @@
           <a:bodyPr/>
           <a:lstStyle/>
           <a:p>
-            <a:fld id="{A7AAEAA2-D029-4D23-B6D5-DE004B8B3ED2}" type="slidenum">
+            <a:fld id="{6E96FF8D-76E8-4D51-A009-0CC74EA039FA}" type="slidenum">
               <a:rPr lang="zh-CN" altLang="en-US" smtClean="0"/>
             </a:fld>
             <a:endParaRPr lang="zh-CN" altLang="en-US"/>
@@ -993,20 +1595,6 @@
 <file path=ppt/slideLayouts/slideLayout3.xml><?xml version="1.0" encoding="utf-8"?>
 <p:sldLayout xmlns:a="http://schemas.openxmlformats.org/drawingml/2006/main" xmlns:r="http://schemas.openxmlformats.org/officeDocument/2006/relationships" xmlns:p="http://schemas.openxmlformats.org/presentationml/2006/main" preserve="1" userDrawn="1">
   <p:cSld name="节标题">
-    <p:bg>
-      <p:bgPr>
-        <a:blipFill dpi="0" rotWithShape="1">
-          <a:blip r:embed="rId2">
-            <a:lum/>
-          </a:blip>
-          <a:srcRect/>
-          <a:stretch>
-            <a:fillRect/>
-          </a:stretch>
-        </a:blipFill>
-        <a:effectLst/>
-      </p:bgPr>
-    </p:bg>
     <p:spTree>
       <p:nvGrpSpPr>
         <p:cNvPr id="1" name=""/>
@@ -1023,107 +1611,184 @@
       </p:grpSpPr>
       <p:sp>
         <p:nvSpPr>
-          <p:cNvPr id="5" name="Rectangle 2"/>
-          <p:cNvSpPr>
-            <a:spLocks noGrp="1" noChangeArrowheads="1"/>
-          </p:cNvSpPr>
-          <p:nvPr>
-            <p:ph type="ctrTitle" hasCustomPrompt="1"/>
+          <p:cNvPr id="7" name="标题 1"/>
+          <p:cNvSpPr>
+            <a:spLocks noGrp="1"/>
+          </p:cNvSpPr>
+          <p:nvPr>
+            <p:ph type="title" hasCustomPrompt="1"/>
           </p:nvPr>
         </p:nvSpPr>
         <p:spPr>
           <a:xfrm>
-            <a:off x="2173288" y="2566988"/>
-            <a:ext cx="5599112" cy="576262"/>
+            <a:off x="2471400" y="3195972"/>
+            <a:ext cx="4201200" cy="644400"/>
           </a:xfrm>
         </p:spPr>
         <p:txBody>
-          <a:bodyPr lIns="90170" tIns="46990" rIns="90170" bIns="46990">
-            <a:normAutofit/>
-          </a:bodyPr>
-          <a:lstStyle>
-            <a:lvl1pPr algn="ctr">
-              <a:defRPr sz="4000">
-                <a:solidFill>
-                  <a:srgbClr val="474E52"/>
-                </a:solidFill>
-              </a:defRPr>
-            </a:lvl1pPr>
-          </a:lstStyle>
-          <a:p>
-            <a:pPr lvl="0"/>
-            <a:r>
-              <a:rPr lang="zh-CN" altLang="en-US" noProof="0" dirty="0" smtClean="0">
-                <a:sym typeface="Arial" pitchFamily="34" charset="0"/>
-              </a:rPr>
-              <a:t>编辑标题</a:t>
-            </a:r>
-            <a:endParaRPr lang="zh-CN" altLang="zh-CN" noProof="0" dirty="0" smtClean="0">
-              <a:sym typeface="Arial" pitchFamily="34" charset="0"/>
-            </a:endParaRPr>
-          </a:p>
-        </p:txBody>
-      </p:sp>
-      <p:sp>
-        <p:nvSpPr>
-          <p:cNvPr id="6" name="Rectangle 3"/>
-          <p:cNvSpPr>
-            <a:spLocks noGrp="1" noChangeArrowheads="1"/>
-          </p:cNvSpPr>
-          <p:nvPr>
-            <p:ph type="subTitle" idx="1"/>
-          </p:nvPr>
-        </p:nvSpPr>
-        <p:spPr>
-          <a:xfrm>
-            <a:off x="2173288" y="3357563"/>
-            <a:ext cx="5599112" cy="431800"/>
-          </a:xfrm>
-        </p:spPr>
-        <p:txBody>
-          <a:bodyPr anchor="ctr">
-            <a:normAutofit/>
-          </a:bodyPr>
-          <a:lstStyle>
-            <a:lvl1pPr marL="0" indent="0" algn="ctr">
-              <a:buNone/>
-              <a:defRPr sz="3200">
-                <a:solidFill>
-                  <a:srgbClr val="474E52"/>
-                </a:solidFill>
-              </a:defRPr>
-            </a:lvl1pPr>
-          </a:lstStyle>
-          <a:p>
-            <a:pPr lvl="0"/>
-            <a:r>
-              <a:rPr lang="zh-CN" altLang="zh-CN" noProof="0" dirty="0" smtClean="0">
-                <a:sym typeface="Arial" pitchFamily="34" charset="0"/>
-              </a:rPr>
-              <a:t>单击此处编辑母版副标题样式</a:t>
-            </a:r>
-            <a:endParaRPr lang="zh-CN" altLang="zh-CN" noProof="0" dirty="0" smtClean="0">
-              <a:sym typeface="Arial" pitchFamily="34" charset="0"/>
-            </a:endParaRPr>
-          </a:p>
-        </p:txBody>
-      </p:sp>
-      <p:sp>
-        <p:nvSpPr>
-          <p:cNvPr id="2" name="日期占位符 1"/>
-          <p:cNvSpPr>
-            <a:spLocks noGrp="1"/>
-          </p:cNvSpPr>
-          <p:nvPr>
-            <p:ph type="dt" sz="half" idx="10"/>
-          </p:nvPr>
-        </p:nvSpPr>
-        <p:spPr/>
-        <p:txBody>
           <a:bodyPr/>
           <a:lstStyle/>
           <a:p>
-            <a:fld id="{BECE1962-2E07-4986-9530-9B9C1DA0450A}" type="datetimeFigureOut">
+            <a:r>
+              <a:rPr lang="zh-CN" altLang="en-US" dirty="0" smtClean="0"/>
+              <a:t>编辑标题</a:t>
+            </a:r>
+            <a:endParaRPr lang="zh-CN" altLang="en-US" dirty="0"/>
+          </a:p>
+        </p:txBody>
+      </p:sp>
+      <p:pic>
+        <p:nvPicPr>
+          <p:cNvPr id="8" name="Picture 3" descr="#wm#_29_29_*Z"/>
+          <p:cNvPicPr>
+            <a:picLocks noChangeAspect="1" noChangeArrowheads="1"/>
+          </p:cNvPicPr>
+          <p:nvPr>
+            <p:custDataLst>
+              <p:tags r:id="rId2"/>
+            </p:custDataLst>
+          </p:nvPr>
+        </p:nvPicPr>
+        <p:blipFill>
+          <a:blip r:embed="rId3">
+            <a:extLst>
+              <a:ext uri="{28A0092B-C50C-407E-A947-70E740481C1C}">
+                <a14:useLocalDpi xmlns:a14="http://schemas.microsoft.com/office/drawing/2010/main" val="0"/>
+              </a:ext>
+            </a:extLst>
+          </a:blip>
+          <a:srcRect/>
+          <a:stretch>
+            <a:fillRect/>
+          </a:stretch>
+        </p:blipFill>
+        <p:spPr bwMode="auto">
+          <a:xfrm>
+            <a:off x="4410075" y="2181225"/>
+            <a:ext cx="981075" cy="1022350"/>
+          </a:xfrm>
+          <a:prstGeom prst="rect">
+            <a:avLst/>
+          </a:prstGeom>
+          <a:noFill/>
+          <a:ln>
+            <a:noFill/>
+          </a:ln>
+          <a:effectLst/>
+          <a:extLst>
+            <a:ext uri="{909E8E84-426E-40DD-AFC4-6F175D3DCCD1}">
+              <a14:hiddenFill xmlns:a14="http://schemas.microsoft.com/office/drawing/2010/main">
+                <a:solidFill>
+                  <a:srgbClr val="FFFFFF"/>
+                </a:solidFill>
+              </a14:hiddenFill>
+            </a:ext>
+            <a:ext uri="{91240B29-F687-4F45-9708-019B960494DF}">
+              <a14:hiddenLine xmlns:a14="http://schemas.microsoft.com/office/drawing/2010/main" w="9525">
+                <a:solidFill>
+                  <a:srgbClr val="000000"/>
+                </a:solidFill>
+                <a:miter lim="800000"/>
+                <a:headEnd/>
+                <a:tailEnd/>
+              </a14:hiddenLine>
+            </a:ext>
+            <a:ext uri="{AF507438-7753-43E0-B8FC-AC1667EBCBE1}">
+              <a14:hiddenEffects xmlns:a14="http://schemas.microsoft.com/office/drawing/2010/main">
+                <a:effectLst>
+                  <a:outerShdw dist="35921" dir="2700000" algn="ctr" rotWithShape="0">
+                    <a:srgbClr val="808080"/>
+                  </a:outerShdw>
+                </a:effectLst>
+              </a14:hiddenEffects>
+            </a:ext>
+          </a:extLst>
+        </p:spPr>
+      </p:pic>
+      <p:pic>
+        <p:nvPicPr>
+          <p:cNvPr id="9" name="Picture 8" descr="#wm#_29_29_*Z"/>
+          <p:cNvPicPr>
+            <a:picLocks noChangeAspect="1" noChangeArrowheads="1"/>
+          </p:cNvPicPr>
+          <p:nvPr>
+            <p:custDataLst>
+              <p:tags r:id="rId4"/>
+            </p:custDataLst>
+          </p:nvPr>
+        </p:nvPicPr>
+        <p:blipFill>
+          <a:blip r:embed="rId5">
+            <a:extLst>
+              <a:ext uri="{28A0092B-C50C-407E-A947-70E740481C1C}">
+                <a14:useLocalDpi xmlns:a14="http://schemas.microsoft.com/office/drawing/2010/main" val="0"/>
+              </a:ext>
+            </a:extLst>
+          </a:blip>
+          <a:srcRect/>
+          <a:stretch>
+            <a:fillRect/>
+          </a:stretch>
+        </p:blipFill>
+        <p:spPr bwMode="auto">
+          <a:xfrm>
+            <a:off x="3679825" y="2414588"/>
+            <a:ext cx="744538" cy="792162"/>
+          </a:xfrm>
+          <a:prstGeom prst="rect">
+            <a:avLst/>
+          </a:prstGeom>
+          <a:noFill/>
+          <a:ln>
+            <a:noFill/>
+          </a:ln>
+          <a:effectLst/>
+          <a:extLst>
+            <a:ext uri="{909E8E84-426E-40DD-AFC4-6F175D3DCCD1}">
+              <a14:hiddenFill xmlns:a14="http://schemas.microsoft.com/office/drawing/2010/main">
+                <a:solidFill>
+                  <a:srgbClr val="FFFFFF"/>
+                </a:solidFill>
+              </a14:hiddenFill>
+            </a:ext>
+            <a:ext uri="{91240B29-F687-4F45-9708-019B960494DF}">
+              <a14:hiddenLine xmlns:a14="http://schemas.microsoft.com/office/drawing/2010/main" w="9525">
+                <a:solidFill>
+                  <a:srgbClr val="000000"/>
+                </a:solidFill>
+                <a:miter lim="800000"/>
+                <a:headEnd/>
+                <a:tailEnd/>
+              </a14:hiddenLine>
+            </a:ext>
+            <a:ext uri="{AF507438-7753-43E0-B8FC-AC1667EBCBE1}">
+              <a14:hiddenEffects xmlns:a14="http://schemas.microsoft.com/office/drawing/2010/main">
+                <a:effectLst>
+                  <a:outerShdw dist="35921" dir="2700000" algn="ctr" rotWithShape="0">
+                    <a:srgbClr val="808080"/>
+                  </a:outerShdw>
+                </a:effectLst>
+              </a14:hiddenEffects>
+            </a:ext>
+          </a:extLst>
+        </p:spPr>
+      </p:pic>
+      <p:sp>
+        <p:nvSpPr>
+          <p:cNvPr id="2" name="日期占位符 1"/>
+          <p:cNvSpPr>
+            <a:spLocks noGrp="1"/>
+          </p:cNvSpPr>
+          <p:nvPr>
+            <p:ph type="dt" sz="half" idx="10"/>
+          </p:nvPr>
+        </p:nvSpPr>
+        <p:spPr/>
+        <p:txBody>
+          <a:bodyPr/>
+          <a:lstStyle/>
+          <a:p>
+            <a:fld id="{5CB1A4EA-703F-434D-840B-7B736DC1F13A}" type="datetimeFigureOut">
               <a:rPr lang="zh-CN" altLang="en-US" smtClean="0"/>
             </a:fld>
             <a:endParaRPr lang="zh-CN" altLang="en-US"/>
@@ -1164,7 +1829,7 @@
           <a:bodyPr/>
           <a:lstStyle/>
           <a:p>
-            <a:fld id="{07459E9C-D3C6-4515-99A0-01A69CEF9CD6}" type="slidenum">
+            <a:fld id="{6E96FF8D-76E8-4D51-A009-0CC74EA039FA}" type="slidenum">
               <a:rPr lang="zh-CN" altLang="en-US" smtClean="0"/>
             </a:fld>
             <a:endParaRPr lang="zh-CN" altLang="en-US"/>
@@ -1208,16 +1873,14 @@
         </p:nvSpPr>
         <p:spPr/>
         <p:txBody>
-          <a:bodyPr>
-            <a:normAutofit/>
-          </a:bodyPr>
+          <a:bodyPr/>
           <a:lstStyle/>
           <a:p>
             <a:r>
-              <a:rPr lang="zh-CN" altLang="en-US" dirty="0" smtClean="0"/>
+              <a:rPr lang="zh-CN" altLang="en-US" smtClean="0"/>
               <a:t>单击此处编辑母版标题样式</a:t>
             </a:r>
-            <a:endParaRPr lang="zh-CN" altLang="en-US" dirty="0"/>
+            <a:endParaRPr lang="zh-CN" altLang="en-US"/>
           </a:p>
         </p:txBody>
       </p:sp>
@@ -1234,53 +1897,51 @@
         <p:spPr>
           <a:xfrm>
             <a:off x="457200" y="1600200"/>
-            <a:ext cx="3863975" cy="4525963"/>
+            <a:ext cx="4038600" cy="4525963"/>
           </a:xfrm>
         </p:spPr>
         <p:txBody>
-          <a:bodyPr>
-            <a:normAutofit/>
-          </a:bodyPr>
+          <a:bodyPr/>
           <a:lstStyle/>
           <a:p>
             <a:pPr lvl="0"/>
             <a:r>
-              <a:rPr lang="zh-CN" altLang="en-US" dirty="0" smtClean="0"/>
+              <a:rPr lang="zh-CN" altLang="en-US" smtClean="0"/>
               <a:t>单击此处编辑母版文本样式</a:t>
             </a:r>
-            <a:endParaRPr lang="zh-CN" altLang="en-US" dirty="0" smtClean="0"/>
+            <a:endParaRPr lang="zh-CN" altLang="en-US" smtClean="0"/>
           </a:p>
           <a:p>
             <a:pPr lvl="1"/>
             <a:r>
-              <a:rPr lang="zh-CN" altLang="en-US" dirty="0" smtClean="0"/>
+              <a:rPr lang="zh-CN" altLang="en-US" smtClean="0"/>
               <a:t>第二级</a:t>
             </a:r>
-            <a:endParaRPr lang="zh-CN" altLang="en-US" dirty="0" smtClean="0"/>
+            <a:endParaRPr lang="zh-CN" altLang="en-US" smtClean="0"/>
           </a:p>
           <a:p>
             <a:pPr lvl="2"/>
             <a:r>
-              <a:rPr lang="zh-CN" altLang="en-US" dirty="0" smtClean="0"/>
+              <a:rPr lang="zh-CN" altLang="en-US" smtClean="0"/>
               <a:t>第三级</a:t>
             </a:r>
-            <a:endParaRPr lang="zh-CN" altLang="en-US" dirty="0" smtClean="0"/>
+            <a:endParaRPr lang="zh-CN" altLang="en-US" smtClean="0"/>
           </a:p>
           <a:p>
             <a:pPr lvl="3"/>
             <a:r>
-              <a:rPr lang="zh-CN" altLang="en-US" dirty="0" smtClean="0"/>
+              <a:rPr lang="zh-CN" altLang="en-US" smtClean="0"/>
               <a:t>第四级</a:t>
             </a:r>
-            <a:endParaRPr lang="zh-CN" altLang="en-US" dirty="0" smtClean="0"/>
+            <a:endParaRPr lang="zh-CN" altLang="en-US" smtClean="0"/>
           </a:p>
           <a:p>
             <a:pPr lvl="4"/>
             <a:r>
-              <a:rPr lang="zh-CN" altLang="en-US" dirty="0" smtClean="0"/>
+              <a:rPr lang="zh-CN" altLang="en-US" smtClean="0"/>
               <a:t>第五级</a:t>
             </a:r>
-            <a:endParaRPr lang="zh-CN" altLang="en-US" dirty="0"/>
+            <a:endParaRPr lang="zh-CN" altLang="en-US"/>
           </a:p>
         </p:txBody>
       </p:sp>
@@ -1296,73 +1957,71 @@
         </p:nvSpPr>
         <p:spPr>
           <a:xfrm>
-            <a:off x="4473575" y="1600200"/>
-            <a:ext cx="4213224" cy="4525963"/>
+            <a:off x="4648200" y="1600200"/>
+            <a:ext cx="4038600" cy="4525963"/>
           </a:xfrm>
         </p:spPr>
         <p:txBody>
-          <a:bodyPr>
-            <a:normAutofit/>
-          </a:bodyPr>
-          <a:lstStyle/>
-          <a:p>
-            <a:pPr lvl="0"/>
-            <a:r>
-              <a:rPr lang="zh-CN" altLang="en-US" dirty="0" smtClean="0"/>
-              <a:t>单击此处编辑母版文本样式</a:t>
-            </a:r>
-            <a:endParaRPr lang="zh-CN" altLang="en-US" dirty="0" smtClean="0"/>
-          </a:p>
-          <a:p>
-            <a:pPr lvl="1"/>
-            <a:r>
-              <a:rPr lang="zh-CN" altLang="en-US" dirty="0" smtClean="0"/>
-              <a:t>第二级</a:t>
-            </a:r>
-            <a:endParaRPr lang="zh-CN" altLang="en-US" dirty="0" smtClean="0"/>
-          </a:p>
-          <a:p>
-            <a:pPr lvl="2"/>
-            <a:r>
-              <a:rPr lang="zh-CN" altLang="en-US" dirty="0" smtClean="0"/>
-              <a:t>第三级</a:t>
-            </a:r>
-            <a:endParaRPr lang="zh-CN" altLang="en-US" dirty="0" smtClean="0"/>
-          </a:p>
-          <a:p>
-            <a:pPr lvl="3"/>
-            <a:r>
-              <a:rPr lang="zh-CN" altLang="en-US" dirty="0" smtClean="0"/>
-              <a:t>第四级</a:t>
-            </a:r>
-            <a:endParaRPr lang="zh-CN" altLang="en-US" dirty="0" smtClean="0"/>
-          </a:p>
-          <a:p>
-            <a:pPr lvl="4"/>
-            <a:r>
-              <a:rPr lang="zh-CN" altLang="en-US" dirty="0" smtClean="0"/>
-              <a:t>第五级</a:t>
-            </a:r>
-            <a:endParaRPr lang="zh-CN" altLang="en-US" dirty="0"/>
-          </a:p>
-        </p:txBody>
-      </p:sp>
-      <p:sp>
-        <p:nvSpPr>
-          <p:cNvPr id="5" name="日期占位符 4"/>
-          <p:cNvSpPr>
-            <a:spLocks noGrp="1"/>
-          </p:cNvSpPr>
-          <p:nvPr>
-            <p:ph type="dt" sz="half" idx="10"/>
-          </p:nvPr>
-        </p:nvSpPr>
-        <p:spPr/>
-        <p:txBody>
           <a:bodyPr/>
           <a:lstStyle/>
           <a:p>
-            <a:fld id="{BECE1962-2E07-4986-9530-9B9C1DA0450A}" type="datetimeFigureOut">
+            <a:pPr lvl="0"/>
+            <a:r>
+              <a:rPr lang="zh-CN" altLang="en-US" smtClean="0"/>
+              <a:t>单击此处编辑母版文本样式</a:t>
+            </a:r>
+            <a:endParaRPr lang="zh-CN" altLang="en-US" smtClean="0"/>
+          </a:p>
+          <a:p>
+            <a:pPr lvl="1"/>
+            <a:r>
+              <a:rPr lang="zh-CN" altLang="en-US" smtClean="0"/>
+              <a:t>第二级</a:t>
+            </a:r>
+            <a:endParaRPr lang="zh-CN" altLang="en-US" smtClean="0"/>
+          </a:p>
+          <a:p>
+            <a:pPr lvl="2"/>
+            <a:r>
+              <a:rPr lang="zh-CN" altLang="en-US" smtClean="0"/>
+              <a:t>第三级</a:t>
+            </a:r>
+            <a:endParaRPr lang="zh-CN" altLang="en-US" smtClean="0"/>
+          </a:p>
+          <a:p>
+            <a:pPr lvl="3"/>
+            <a:r>
+              <a:rPr lang="zh-CN" altLang="en-US" smtClean="0"/>
+              <a:t>第四级</a:t>
+            </a:r>
+            <a:endParaRPr lang="zh-CN" altLang="en-US" smtClean="0"/>
+          </a:p>
+          <a:p>
+            <a:pPr lvl="4"/>
+            <a:r>
+              <a:rPr lang="zh-CN" altLang="en-US" smtClean="0"/>
+              <a:t>第五级</a:t>
+            </a:r>
+            <a:endParaRPr lang="zh-CN" altLang="en-US"/>
+          </a:p>
+        </p:txBody>
+      </p:sp>
+      <p:sp>
+        <p:nvSpPr>
+          <p:cNvPr id="5" name="日期占位符 4"/>
+          <p:cNvSpPr>
+            <a:spLocks noGrp="1"/>
+          </p:cNvSpPr>
+          <p:nvPr>
+            <p:ph type="dt" sz="half" idx="10"/>
+          </p:nvPr>
+        </p:nvSpPr>
+        <p:spPr/>
+        <p:txBody>
+          <a:bodyPr/>
+          <a:lstStyle/>
+          <a:p>
+            <a:fld id="{5CB1A4EA-703F-434D-840B-7B736DC1F13A}" type="datetimeFigureOut">
               <a:rPr lang="zh-CN" altLang="en-US" smtClean="0"/>
             </a:fld>
             <a:endParaRPr lang="zh-CN" altLang="en-US"/>
@@ -1403,7 +2062,7 @@
           <a:bodyPr/>
           <a:lstStyle/>
           <a:p>
-            <a:fld id="{07459E9C-D3C6-4515-99A0-01A69CEF9CD6}" type="slidenum">
+            <a:fld id="{6E96FF8D-76E8-4D51-A009-0CC74EA039FA}" type="slidenum">
               <a:rPr lang="zh-CN" altLang="en-US" smtClean="0"/>
             </a:fld>
             <a:endParaRPr lang="zh-CN" altLang="en-US"/>
@@ -1452,16 +2111,14 @@
           </a:xfrm>
         </p:spPr>
         <p:txBody>
-          <a:bodyPr>
-            <a:normAutofit/>
-          </a:bodyPr>
+          <a:bodyPr/>
           <a:lstStyle/>
           <a:p>
             <a:r>
-              <a:rPr lang="zh-CN" altLang="en-US" dirty="0" smtClean="0"/>
+              <a:rPr lang="zh-CN" altLang="en-US" smtClean="0"/>
               <a:t>单击此处编辑母版标题样式</a:t>
             </a:r>
-            <a:endParaRPr lang="zh-CN" altLang="en-US" dirty="0"/>
+            <a:endParaRPr lang="zh-CN" altLang="en-US"/>
           </a:p>
         </p:txBody>
       </p:sp>
@@ -1482,9 +2139,7 @@
           </a:xfrm>
         </p:spPr>
         <p:txBody>
-          <a:bodyPr anchor="b">
-            <a:normAutofit/>
-          </a:bodyPr>
+          <a:bodyPr anchor="b"/>
           <a:lstStyle>
             <a:lvl1pPr marL="0" indent="0">
               <a:buNone/>
@@ -1526,10 +2181,10 @@
           <a:p>
             <a:pPr lvl="0"/>
             <a:r>
-              <a:rPr lang="zh-CN" altLang="en-US" dirty="0" smtClean="0"/>
+              <a:rPr lang="zh-CN" altLang="en-US" smtClean="0"/>
               <a:t>单击此处编辑母版文本样式</a:t>
             </a:r>
-            <a:endParaRPr lang="zh-CN" altLang="en-US" dirty="0" smtClean="0"/>
+            <a:endParaRPr lang="zh-CN" altLang="en-US" smtClean="0"/>
           </a:p>
         </p:txBody>
       </p:sp>
@@ -1550,49 +2205,47 @@
           </a:xfrm>
         </p:spPr>
         <p:txBody>
-          <a:bodyPr>
-            <a:normAutofit/>
-          </a:bodyPr>
+          <a:bodyPr/>
           <a:lstStyle/>
           <a:p>
             <a:pPr lvl="0"/>
             <a:r>
-              <a:rPr lang="zh-CN" altLang="en-US" dirty="0" smtClean="0"/>
+              <a:rPr lang="zh-CN" altLang="en-US" smtClean="0"/>
               <a:t>单击此处编辑母版文本样式</a:t>
             </a:r>
-            <a:endParaRPr lang="zh-CN" altLang="en-US" dirty="0" smtClean="0"/>
+            <a:endParaRPr lang="zh-CN" altLang="en-US" smtClean="0"/>
           </a:p>
           <a:p>
             <a:pPr lvl="1"/>
             <a:r>
-              <a:rPr lang="zh-CN" altLang="en-US" dirty="0" smtClean="0"/>
+              <a:rPr lang="zh-CN" altLang="en-US" smtClean="0"/>
               <a:t>第二级</a:t>
             </a:r>
-            <a:endParaRPr lang="zh-CN" altLang="en-US" dirty="0" smtClean="0"/>
+            <a:endParaRPr lang="zh-CN" altLang="en-US" smtClean="0"/>
           </a:p>
           <a:p>
             <a:pPr lvl="2"/>
             <a:r>
-              <a:rPr lang="zh-CN" altLang="en-US" dirty="0" smtClean="0"/>
+              <a:rPr lang="zh-CN" altLang="en-US" smtClean="0"/>
               <a:t>第三级</a:t>
             </a:r>
-            <a:endParaRPr lang="zh-CN" altLang="en-US" dirty="0" smtClean="0"/>
+            <a:endParaRPr lang="zh-CN" altLang="en-US" smtClean="0"/>
           </a:p>
           <a:p>
             <a:pPr lvl="3"/>
             <a:r>
-              <a:rPr lang="zh-CN" altLang="en-US" dirty="0" smtClean="0"/>
+              <a:rPr lang="zh-CN" altLang="en-US" smtClean="0"/>
               <a:t>第四级</a:t>
             </a:r>
-            <a:endParaRPr lang="zh-CN" altLang="en-US" dirty="0" smtClean="0"/>
+            <a:endParaRPr lang="zh-CN" altLang="en-US" smtClean="0"/>
           </a:p>
           <a:p>
             <a:pPr lvl="4"/>
             <a:r>
-              <a:rPr lang="zh-CN" altLang="en-US" dirty="0" smtClean="0"/>
+              <a:rPr lang="zh-CN" altLang="en-US" smtClean="0"/>
               <a:t>第五级</a:t>
             </a:r>
-            <a:endParaRPr lang="zh-CN" altLang="en-US" dirty="0"/>
+            <a:endParaRPr lang="zh-CN" altLang="en-US"/>
           </a:p>
         </p:txBody>
       </p:sp>
@@ -1613,9 +2266,7 @@
           </a:xfrm>
         </p:spPr>
         <p:txBody>
-          <a:bodyPr anchor="b">
-            <a:normAutofit/>
-          </a:bodyPr>
+          <a:bodyPr anchor="b"/>
           <a:lstStyle>
             <a:lvl1pPr marL="0" indent="0">
               <a:buNone/>
@@ -1657,10 +2308,10 @@
           <a:p>
             <a:pPr lvl="0"/>
             <a:r>
-              <a:rPr lang="zh-CN" altLang="en-US" dirty="0" smtClean="0"/>
+              <a:rPr lang="zh-CN" altLang="en-US" smtClean="0"/>
               <a:t>单击此处编辑母版文本样式</a:t>
             </a:r>
-            <a:endParaRPr lang="zh-CN" altLang="en-US" dirty="0" smtClean="0"/>
+            <a:endParaRPr lang="zh-CN" altLang="en-US" smtClean="0"/>
           </a:p>
         </p:txBody>
       </p:sp>
@@ -1681,68 +2332,66 @@
           </a:xfrm>
         </p:spPr>
         <p:txBody>
-          <a:bodyPr>
-            <a:normAutofit/>
-          </a:bodyPr>
-          <a:lstStyle/>
-          <a:p>
-            <a:pPr lvl="0"/>
-            <a:r>
-              <a:rPr lang="zh-CN" altLang="en-US" dirty="0" smtClean="0"/>
-              <a:t>单击此处编辑母版文本样式</a:t>
-            </a:r>
-            <a:endParaRPr lang="zh-CN" altLang="en-US" dirty="0" smtClean="0"/>
-          </a:p>
-          <a:p>
-            <a:pPr lvl="1"/>
-            <a:r>
-              <a:rPr lang="zh-CN" altLang="en-US" dirty="0" smtClean="0"/>
-              <a:t>第二级</a:t>
-            </a:r>
-            <a:endParaRPr lang="zh-CN" altLang="en-US" dirty="0" smtClean="0"/>
-          </a:p>
-          <a:p>
-            <a:pPr lvl="2"/>
-            <a:r>
-              <a:rPr lang="zh-CN" altLang="en-US" dirty="0" smtClean="0"/>
-              <a:t>第三级</a:t>
-            </a:r>
-            <a:endParaRPr lang="zh-CN" altLang="en-US" dirty="0" smtClean="0"/>
-          </a:p>
-          <a:p>
-            <a:pPr lvl="3"/>
-            <a:r>
-              <a:rPr lang="zh-CN" altLang="en-US" dirty="0" smtClean="0"/>
-              <a:t>第四级</a:t>
-            </a:r>
-            <a:endParaRPr lang="zh-CN" altLang="en-US" dirty="0" smtClean="0"/>
-          </a:p>
-          <a:p>
-            <a:pPr lvl="4"/>
-            <a:r>
-              <a:rPr lang="zh-CN" altLang="en-US" dirty="0" smtClean="0"/>
-              <a:t>第五级</a:t>
-            </a:r>
-            <a:endParaRPr lang="zh-CN" altLang="en-US" dirty="0"/>
-          </a:p>
-        </p:txBody>
-      </p:sp>
-      <p:sp>
-        <p:nvSpPr>
-          <p:cNvPr id="7" name="日期占位符 6"/>
-          <p:cNvSpPr>
-            <a:spLocks noGrp="1"/>
-          </p:cNvSpPr>
-          <p:nvPr>
-            <p:ph type="dt" sz="half" idx="10"/>
-          </p:nvPr>
-        </p:nvSpPr>
-        <p:spPr/>
-        <p:txBody>
           <a:bodyPr/>
           <a:lstStyle/>
           <a:p>
-            <a:fld id="{BECE1962-2E07-4986-9530-9B9C1DA0450A}" type="datetimeFigureOut">
+            <a:pPr lvl="0"/>
+            <a:r>
+              <a:rPr lang="zh-CN" altLang="en-US" smtClean="0"/>
+              <a:t>单击此处编辑母版文本样式</a:t>
+            </a:r>
+            <a:endParaRPr lang="zh-CN" altLang="en-US" smtClean="0"/>
+          </a:p>
+          <a:p>
+            <a:pPr lvl="1"/>
+            <a:r>
+              <a:rPr lang="zh-CN" altLang="en-US" smtClean="0"/>
+              <a:t>第二级</a:t>
+            </a:r>
+            <a:endParaRPr lang="zh-CN" altLang="en-US" smtClean="0"/>
+          </a:p>
+          <a:p>
+            <a:pPr lvl="2"/>
+            <a:r>
+              <a:rPr lang="zh-CN" altLang="en-US" smtClean="0"/>
+              <a:t>第三级</a:t>
+            </a:r>
+            <a:endParaRPr lang="zh-CN" altLang="en-US" smtClean="0"/>
+          </a:p>
+          <a:p>
+            <a:pPr lvl="3"/>
+            <a:r>
+              <a:rPr lang="zh-CN" altLang="en-US" smtClean="0"/>
+              <a:t>第四级</a:t>
+            </a:r>
+            <a:endParaRPr lang="zh-CN" altLang="en-US" smtClean="0"/>
+          </a:p>
+          <a:p>
+            <a:pPr lvl="4"/>
+            <a:r>
+              <a:rPr lang="zh-CN" altLang="en-US" smtClean="0"/>
+              <a:t>第五级</a:t>
+            </a:r>
+            <a:endParaRPr lang="zh-CN" altLang="en-US"/>
+          </a:p>
+        </p:txBody>
+      </p:sp>
+      <p:sp>
+        <p:nvSpPr>
+          <p:cNvPr id="7" name="日期占位符 6"/>
+          <p:cNvSpPr>
+            <a:spLocks noGrp="1"/>
+          </p:cNvSpPr>
+          <p:nvPr>
+            <p:ph type="dt" sz="half" idx="10"/>
+          </p:nvPr>
+        </p:nvSpPr>
+        <p:spPr/>
+        <p:txBody>
+          <a:bodyPr/>
+          <a:lstStyle/>
+          <a:p>
+            <a:fld id="{5CB1A4EA-703F-434D-840B-7B736DC1F13A}" type="datetimeFigureOut">
               <a:rPr lang="zh-CN" altLang="en-US" smtClean="0"/>
             </a:fld>
             <a:endParaRPr lang="zh-CN" altLang="en-US"/>
@@ -1783,7 +2432,7 @@
           <a:bodyPr/>
           <a:lstStyle/>
           <a:p>
-            <a:fld id="{07459E9C-D3C6-4515-99A0-01A69CEF9CD6}" type="slidenum">
+            <a:fld id="{6E96FF8D-76E8-4D51-A009-0CC74EA039FA}" type="slidenum">
               <a:rPr lang="zh-CN" altLang="en-US" smtClean="0"/>
             </a:fld>
             <a:endParaRPr lang="zh-CN" altLang="en-US"/>
@@ -1801,20 +2450,6 @@
 <file path=ppt/slideLayouts/slideLayout6.xml><?xml version="1.0" encoding="utf-8"?>
 <p:sldLayout xmlns:a="http://schemas.openxmlformats.org/drawingml/2006/main" xmlns:r="http://schemas.openxmlformats.org/officeDocument/2006/relationships" xmlns:p="http://schemas.openxmlformats.org/presentationml/2006/main" preserve="1" userDrawn="1">
   <p:cSld name="仅标题">
-    <p:bg>
-      <p:bgPr>
-        <a:blipFill dpi="0" rotWithShape="1">
-          <a:blip r:embed="rId2">
-            <a:lum/>
-          </a:blip>
-          <a:srcRect/>
-          <a:stretch>
-            <a:fillRect/>
-          </a:stretch>
-        </a:blipFill>
-        <a:effectLst/>
-      </p:bgPr>
-    </p:bg>
     <p:spTree>
       <p:nvGrpSpPr>
         <p:cNvPr id="1" name=""/>
@@ -1831,108 +2466,184 @@
       </p:grpSpPr>
       <p:sp>
         <p:nvSpPr>
-          <p:cNvPr id="5" name="Rectangle 2"/>
-          <p:cNvSpPr>
-            <a:spLocks noGrp="1" noChangeArrowheads="1"/>
-          </p:cNvSpPr>
-          <p:nvPr>
-            <p:ph type="ctrTitle" hasCustomPrompt="1"/>
+          <p:cNvPr id="6" name="标题 1"/>
+          <p:cNvSpPr>
+            <a:spLocks noGrp="1"/>
+          </p:cNvSpPr>
+          <p:nvPr>
+            <p:ph type="title" hasCustomPrompt="1"/>
           </p:nvPr>
         </p:nvSpPr>
         <p:spPr>
           <a:xfrm>
-            <a:off x="2174400" y="2566799"/>
-            <a:ext cx="5599112" cy="675933"/>
+            <a:off x="2471400" y="3195972"/>
+            <a:ext cx="4201200" cy="644400"/>
           </a:xfrm>
         </p:spPr>
         <p:txBody>
-          <a:bodyPr lIns="90170" tIns="46990" rIns="90170" bIns="46990">
-            <a:noAutofit/>
-          </a:bodyPr>
-          <a:lstStyle>
-            <a:lvl1pPr algn="ctr">
-              <a:defRPr sz="3600">
-                <a:solidFill>
-                  <a:schemeClr val="tx2"/>
-                </a:solidFill>
-                <a:latin typeface="+mj-lt"/>
-              </a:defRPr>
-            </a:lvl1pPr>
-          </a:lstStyle>
-          <a:p>
-            <a:pPr lvl="0"/>
-            <a:r>
-              <a:rPr lang="zh-CN" altLang="en-US" noProof="0" dirty="0" smtClean="0">
-                <a:sym typeface="Arial" pitchFamily="34" charset="0"/>
-              </a:rPr>
-              <a:t>编辑标题</a:t>
-            </a:r>
-            <a:endParaRPr lang="zh-CN" altLang="zh-CN" noProof="0" dirty="0" smtClean="0">
-              <a:sym typeface="Arial" pitchFamily="34" charset="0"/>
-            </a:endParaRPr>
-          </a:p>
-        </p:txBody>
-      </p:sp>
-      <p:sp>
-        <p:nvSpPr>
-          <p:cNvPr id="3" name="Rectangle 3"/>
-          <p:cNvSpPr>
-            <a:spLocks noGrp="1" noChangeArrowheads="1"/>
-          </p:cNvSpPr>
-          <p:nvPr>
-            <p:ph type="subTitle" idx="1"/>
-          </p:nvPr>
-        </p:nvSpPr>
-        <p:spPr>
-          <a:xfrm>
-            <a:off x="2173288" y="3357562"/>
-            <a:ext cx="5599112" cy="604837"/>
-          </a:xfrm>
-        </p:spPr>
-        <p:txBody>
-          <a:bodyPr anchor="ctr">
-            <a:normAutofit/>
-          </a:bodyPr>
-          <a:lstStyle>
-            <a:lvl1pPr marL="0" indent="0" algn="ctr">
-              <a:buNone/>
-              <a:defRPr sz="3200">
-                <a:solidFill>
-                  <a:srgbClr val="474E52"/>
-                </a:solidFill>
-              </a:defRPr>
-            </a:lvl1pPr>
-          </a:lstStyle>
-          <a:p>
-            <a:pPr lvl="0"/>
-            <a:r>
-              <a:rPr lang="zh-CN" altLang="zh-CN" noProof="0" dirty="0" smtClean="0">
-                <a:sym typeface="Arial" pitchFamily="34" charset="0"/>
-              </a:rPr>
-              <a:t>单击此处编辑母版副标题样式</a:t>
-            </a:r>
-            <a:endParaRPr lang="zh-CN" altLang="zh-CN" noProof="0" dirty="0" smtClean="0">
-              <a:sym typeface="Arial" pitchFamily="34" charset="0"/>
-            </a:endParaRPr>
-          </a:p>
-        </p:txBody>
-      </p:sp>
-      <p:sp>
-        <p:nvSpPr>
-          <p:cNvPr id="2" name="日期占位符 1"/>
-          <p:cNvSpPr>
-            <a:spLocks noGrp="1"/>
-          </p:cNvSpPr>
-          <p:nvPr>
-            <p:ph type="dt" sz="half" idx="10"/>
-          </p:nvPr>
-        </p:nvSpPr>
-        <p:spPr/>
-        <p:txBody>
           <a:bodyPr/>
           <a:lstStyle/>
           <a:p>
-            <a:fld id="{BECE1962-2E07-4986-9530-9B9C1DA0450A}" type="datetimeFigureOut">
+            <a:r>
+              <a:rPr lang="zh-CN" altLang="en-US" dirty="0" smtClean="0"/>
+              <a:t>编辑标题</a:t>
+            </a:r>
+            <a:endParaRPr lang="zh-CN" altLang="en-US" dirty="0"/>
+          </a:p>
+        </p:txBody>
+      </p:sp>
+      <p:pic>
+        <p:nvPicPr>
+          <p:cNvPr id="7" name="Picture 3" descr="#wm#_29_29_*Z"/>
+          <p:cNvPicPr>
+            <a:picLocks noChangeAspect="1" noChangeArrowheads="1"/>
+          </p:cNvPicPr>
+          <p:nvPr>
+            <p:custDataLst>
+              <p:tags r:id="rId2"/>
+            </p:custDataLst>
+          </p:nvPr>
+        </p:nvPicPr>
+        <p:blipFill>
+          <a:blip r:embed="rId3">
+            <a:extLst>
+              <a:ext uri="{28A0092B-C50C-407E-A947-70E740481C1C}">
+                <a14:useLocalDpi xmlns:a14="http://schemas.microsoft.com/office/drawing/2010/main" val="0"/>
+              </a:ext>
+            </a:extLst>
+          </a:blip>
+          <a:srcRect/>
+          <a:stretch>
+            <a:fillRect/>
+          </a:stretch>
+        </p:blipFill>
+        <p:spPr bwMode="auto">
+          <a:xfrm>
+            <a:off x="4410075" y="2181225"/>
+            <a:ext cx="981075" cy="1022350"/>
+          </a:xfrm>
+          <a:prstGeom prst="rect">
+            <a:avLst/>
+          </a:prstGeom>
+          <a:noFill/>
+          <a:ln>
+            <a:noFill/>
+          </a:ln>
+          <a:effectLst/>
+          <a:extLst>
+            <a:ext uri="{909E8E84-426E-40DD-AFC4-6F175D3DCCD1}">
+              <a14:hiddenFill xmlns:a14="http://schemas.microsoft.com/office/drawing/2010/main">
+                <a:solidFill>
+                  <a:srgbClr val="FFFFFF"/>
+                </a:solidFill>
+              </a14:hiddenFill>
+            </a:ext>
+            <a:ext uri="{91240B29-F687-4F45-9708-019B960494DF}">
+              <a14:hiddenLine xmlns:a14="http://schemas.microsoft.com/office/drawing/2010/main" w="9525">
+                <a:solidFill>
+                  <a:srgbClr val="000000"/>
+                </a:solidFill>
+                <a:miter lim="800000"/>
+                <a:headEnd/>
+                <a:tailEnd/>
+              </a14:hiddenLine>
+            </a:ext>
+            <a:ext uri="{AF507438-7753-43E0-B8FC-AC1667EBCBE1}">
+              <a14:hiddenEffects xmlns:a14="http://schemas.microsoft.com/office/drawing/2010/main">
+                <a:effectLst>
+                  <a:outerShdw dist="35921" dir="2700000" algn="ctr" rotWithShape="0">
+                    <a:srgbClr val="808080"/>
+                  </a:outerShdw>
+                </a:effectLst>
+              </a14:hiddenEffects>
+            </a:ext>
+          </a:extLst>
+        </p:spPr>
+      </p:pic>
+      <p:pic>
+        <p:nvPicPr>
+          <p:cNvPr id="8" name="Picture 8" descr="#wm#_29_29_*Z"/>
+          <p:cNvPicPr>
+            <a:picLocks noChangeAspect="1" noChangeArrowheads="1"/>
+          </p:cNvPicPr>
+          <p:nvPr>
+            <p:custDataLst>
+              <p:tags r:id="rId4"/>
+            </p:custDataLst>
+          </p:nvPr>
+        </p:nvPicPr>
+        <p:blipFill>
+          <a:blip r:embed="rId5">
+            <a:extLst>
+              <a:ext uri="{28A0092B-C50C-407E-A947-70E740481C1C}">
+                <a14:useLocalDpi xmlns:a14="http://schemas.microsoft.com/office/drawing/2010/main" val="0"/>
+              </a:ext>
+            </a:extLst>
+          </a:blip>
+          <a:srcRect/>
+          <a:stretch>
+            <a:fillRect/>
+          </a:stretch>
+        </p:blipFill>
+        <p:spPr bwMode="auto">
+          <a:xfrm>
+            <a:off x="3679825" y="2414588"/>
+            <a:ext cx="744538" cy="792162"/>
+          </a:xfrm>
+          <a:prstGeom prst="rect">
+            <a:avLst/>
+          </a:prstGeom>
+          <a:noFill/>
+          <a:ln>
+            <a:noFill/>
+          </a:ln>
+          <a:effectLst/>
+          <a:extLst>
+            <a:ext uri="{909E8E84-426E-40DD-AFC4-6F175D3DCCD1}">
+              <a14:hiddenFill xmlns:a14="http://schemas.microsoft.com/office/drawing/2010/main">
+                <a:solidFill>
+                  <a:srgbClr val="FFFFFF"/>
+                </a:solidFill>
+              </a14:hiddenFill>
+            </a:ext>
+            <a:ext uri="{91240B29-F687-4F45-9708-019B960494DF}">
+              <a14:hiddenLine xmlns:a14="http://schemas.microsoft.com/office/drawing/2010/main" w="9525">
+                <a:solidFill>
+                  <a:srgbClr val="000000"/>
+                </a:solidFill>
+                <a:miter lim="800000"/>
+                <a:headEnd/>
+                <a:tailEnd/>
+              </a14:hiddenLine>
+            </a:ext>
+            <a:ext uri="{AF507438-7753-43E0-B8FC-AC1667EBCBE1}">
+              <a14:hiddenEffects xmlns:a14="http://schemas.microsoft.com/office/drawing/2010/main">
+                <a:effectLst>
+                  <a:outerShdw dist="35921" dir="2700000" algn="ctr" rotWithShape="0">
+                    <a:srgbClr val="808080"/>
+                  </a:outerShdw>
+                </a:effectLst>
+              </a14:hiddenEffects>
+            </a:ext>
+          </a:extLst>
+        </p:spPr>
+      </p:pic>
+      <p:sp>
+        <p:nvSpPr>
+          <p:cNvPr id="2" name="日期占位符 1"/>
+          <p:cNvSpPr>
+            <a:spLocks noGrp="1"/>
+          </p:cNvSpPr>
+          <p:nvPr>
+            <p:ph type="dt" sz="half" idx="10"/>
+          </p:nvPr>
+        </p:nvSpPr>
+        <p:spPr/>
+        <p:txBody>
+          <a:bodyPr/>
+          <a:lstStyle/>
+          <a:p>
+            <a:fld id="{5CB1A4EA-703F-434D-840B-7B736DC1F13A}" type="datetimeFigureOut">
               <a:rPr lang="zh-CN" altLang="en-US" smtClean="0"/>
             </a:fld>
             <a:endParaRPr lang="zh-CN" altLang="en-US"/>
@@ -1941,7 +2652,7 @@
       </p:sp>
       <p:sp>
         <p:nvSpPr>
-          <p:cNvPr id="4" name="页脚占位符 3"/>
+          <p:cNvPr id="3" name="页脚占位符 2"/>
           <p:cNvSpPr>
             <a:spLocks noGrp="1"/>
           </p:cNvSpPr>
@@ -1960,7 +2671,7 @@
       </p:sp>
       <p:sp>
         <p:nvSpPr>
-          <p:cNvPr id="6" name="灯片编号占位符 5"/>
+          <p:cNvPr id="4" name="灯片编号占位符 3"/>
           <p:cNvSpPr>
             <a:spLocks noGrp="1"/>
           </p:cNvSpPr>
@@ -1973,7 +2684,7 @@
           <a:bodyPr/>
           <a:lstStyle/>
           <a:p>
-            <a:fld id="{07459E9C-D3C6-4515-99A0-01A69CEF9CD6}" type="slidenum">
+            <a:fld id="{6E96FF8D-76E8-4D51-A009-0CC74EA039FA}" type="slidenum">
               <a:rPr lang="zh-CN" altLang="en-US" smtClean="0"/>
             </a:fld>
             <a:endParaRPr lang="zh-CN" altLang="en-US"/>
@@ -1989,7 +2700,7 @@
 </file>
 
 <file path=ppt/slideLayouts/slideLayout7.xml><?xml version="1.0" encoding="utf-8"?>
-<p:sldLayout xmlns:a="http://schemas.openxmlformats.org/drawingml/2006/main" xmlns:r="http://schemas.openxmlformats.org/officeDocument/2006/relationships" xmlns:p="http://schemas.openxmlformats.org/presentationml/2006/main" preserve="1" userDrawn="1">
+<p:sldLayout xmlns:a="http://schemas.openxmlformats.org/drawingml/2006/main" xmlns:r="http://schemas.openxmlformats.org/officeDocument/2006/relationships" xmlns:p="http://schemas.openxmlformats.org/presentationml/2006/main" type="blank" preserve="1">
   <p:cSld name="空白">
     <p:spTree>
       <p:nvGrpSpPr>
@@ -2020,7 +2731,7 @@
           <a:bodyPr/>
           <a:lstStyle/>
           <a:p>
-            <a:fld id="{BECE1962-2E07-4986-9530-9B9C1DA0450A}" type="datetimeFigureOut">
+            <a:fld id="{5CB1A4EA-703F-434D-840B-7B736DC1F13A}" type="datetimeFigureOut">
               <a:rPr lang="zh-CN" altLang="en-US" smtClean="0"/>
             </a:fld>
             <a:endParaRPr lang="zh-CN" altLang="en-US"/>
@@ -2061,7 +2772,7 @@
           <a:bodyPr/>
           <a:lstStyle/>
           <a:p>
-            <a:fld id="{07459E9C-D3C6-4515-99A0-01A69CEF9CD6}" type="slidenum">
+            <a:fld id="{6E96FF8D-76E8-4D51-A009-0CC74EA039FA}" type="slidenum">
               <a:rPr lang="zh-CN" altLang="en-US" smtClean="0"/>
             </a:fld>
             <a:endParaRPr lang="zh-CN" altLang="en-US"/>
@@ -2079,20 +2790,6 @@
 <file path=ppt/slideLayouts/slideLayout8.xml><?xml version="1.0" encoding="utf-8"?>
 <p:sldLayout xmlns:a="http://schemas.openxmlformats.org/drawingml/2006/main" xmlns:r="http://schemas.openxmlformats.org/officeDocument/2006/relationships" xmlns:p="http://schemas.openxmlformats.org/presentationml/2006/main" preserve="1" userDrawn="1">
   <p:cSld name="图片与标题">
-    <p:bg>
-      <p:bgPr>
-        <a:blipFill dpi="0" rotWithShape="1">
-          <a:blip r:embed="rId2">
-            <a:lum/>
-          </a:blip>
-          <a:srcRect/>
-          <a:stretch>
-            <a:fillRect/>
-          </a:stretch>
-        </a:blipFill>
-        <a:effectLst/>
-      </p:bgPr>
-    </p:bg>
     <p:spTree>
       <p:nvGrpSpPr>
         <p:cNvPr id="1" name=""/>
@@ -2109,7 +2806,7 @@
       </p:grpSpPr>
       <p:sp>
         <p:nvSpPr>
-          <p:cNvPr id="2" name="日期占位符 1"/>
+          <p:cNvPr id="5" name="日期占位符 4"/>
           <p:cNvSpPr>
             <a:spLocks noGrp="1"/>
           </p:cNvSpPr>
@@ -2117,17 +2814,12 @@
             <p:ph type="dt" sz="half" idx="10"/>
           </p:nvPr>
         </p:nvSpPr>
-        <p:spPr>
-          <a:xfrm>
-            <a:off x="457200" y="6429575"/>
-            <a:ext cx="2133600" cy="391190"/>
-          </a:xfrm>
-        </p:spPr>
+        <p:spPr/>
         <p:txBody>
           <a:bodyPr/>
           <a:lstStyle/>
           <a:p>
-            <a:fld id="{BECE1962-2E07-4986-9530-9B9C1DA0450A}" type="datetimeFigureOut">
+            <a:fld id="{5CB1A4EA-703F-434D-840B-7B736DC1F13A}" type="datetimeFigureOut">
               <a:rPr lang="zh-CN" altLang="en-US" smtClean="0"/>
             </a:fld>
             <a:endParaRPr lang="zh-CN" altLang="en-US"/>
@@ -2136,7 +2828,7 @@
       </p:sp>
       <p:sp>
         <p:nvSpPr>
-          <p:cNvPr id="3" name="页脚占位符 2"/>
+          <p:cNvPr id="6" name="页脚占位符 5"/>
           <p:cNvSpPr>
             <a:spLocks noGrp="1"/>
           </p:cNvSpPr>
@@ -2144,12 +2836,7 @@
             <p:ph type="ftr" sz="quarter" idx="11"/>
           </p:nvPr>
         </p:nvSpPr>
-        <p:spPr>
-          <a:xfrm>
-            <a:off x="3124200" y="6429575"/>
-            <a:ext cx="2895600" cy="391190"/>
-          </a:xfrm>
-        </p:spPr>
+        <p:spPr/>
         <p:txBody>
           <a:bodyPr/>
           <a:lstStyle/>
@@ -2160,7 +2847,7 @@
       </p:sp>
       <p:sp>
         <p:nvSpPr>
-          <p:cNvPr id="4" name="灯片编号占位符 3"/>
+          <p:cNvPr id="7" name="灯片编号占位符 6"/>
           <p:cNvSpPr>
             <a:spLocks noGrp="1"/>
           </p:cNvSpPr>
@@ -2168,17 +2855,12 @@
             <p:ph type="sldNum" sz="quarter" idx="12"/>
           </p:nvPr>
         </p:nvSpPr>
-        <p:spPr>
-          <a:xfrm>
-            <a:off x="6553200" y="6429575"/>
-            <a:ext cx="2133600" cy="391190"/>
-          </a:xfrm>
-        </p:spPr>
+        <p:spPr/>
         <p:txBody>
           <a:bodyPr/>
           <a:lstStyle/>
           <a:p>
-            <a:fld id="{07459E9C-D3C6-4515-99A0-01A69CEF9CD6}" type="slidenum">
+            <a:fld id="{6E96FF8D-76E8-4D51-A009-0CC74EA039FA}" type="slidenum">
               <a:rPr lang="zh-CN" altLang="en-US" smtClean="0"/>
             </a:fld>
             <a:endParaRPr lang="zh-CN" altLang="en-US"/>
@@ -2187,7 +2869,7 @@
       </p:sp>
       <p:sp>
         <p:nvSpPr>
-          <p:cNvPr id="9" name="标题 1"/>
+          <p:cNvPr id="8" name="标题 1"/>
           <p:cNvSpPr>
             <a:spLocks noGrp="1"/>
           </p:cNvSpPr>
@@ -2197,8 +2879,8 @@
         </p:nvSpPr>
         <p:spPr>
           <a:xfrm>
-            <a:off x="1343891" y="457200"/>
-            <a:ext cx="7169950" cy="774000"/>
+            <a:off x="629841" y="457200"/>
+            <a:ext cx="7884000" cy="774000"/>
           </a:xfrm>
         </p:spPr>
         <p:txBody>
@@ -2206,8 +2888,8 @@
             <a:normAutofit/>
           </a:bodyPr>
           <a:lstStyle>
-            <a:lvl1pPr>
-              <a:defRPr sz="3200"/>
+            <a:lvl1pPr algn="l">
+              <a:defRPr sz="3600"/>
             </a:lvl1pPr>
           </a:lstStyle>
           <a:p>
@@ -2221,7 +2903,7 @@
       </p:sp>
       <p:sp>
         <p:nvSpPr>
-          <p:cNvPr id="10" name="图片占位符 2"/>
+          <p:cNvPr id="9" name="图片占位符 2"/>
           <p:cNvSpPr>
             <a:spLocks noGrp="1"/>
           </p:cNvSpPr>
@@ -2282,7 +2964,7 @@
       </p:sp>
       <p:sp>
         <p:nvSpPr>
-          <p:cNvPr id="11" name="文本占位符 3"/>
+          <p:cNvPr id="10" name="文本占位符 3"/>
           <p:cNvSpPr>
             <a:spLocks noGrp="1"/>
           </p:cNvSpPr>
@@ -2295,9 +2977,6 @@
             <a:off x="630000" y="5740400"/>
             <a:ext cx="7884000" cy="597600"/>
           </a:xfrm>
-          <a:solidFill>
-            <a:srgbClr val="FD7A56"/>
-          </a:solidFill>
         </p:spPr>
         <p:txBody>
           <a:bodyPr>
@@ -2306,11 +2985,7 @@
           <a:lstStyle>
             <a:lvl1pPr marL="0" indent="0">
               <a:buNone/>
-              <a:defRPr sz="1800">
-                <a:solidFill>
-                  <a:schemeClr val="bg1"/>
-                </a:solidFill>
-              </a:defRPr>
+              <a:defRPr sz="1800"/>
             </a:lvl1pPr>
             <a:lvl2pPr marL="342900" indent="0">
               <a:buNone/>
@@ -2392,29 +3067,19 @@
         </p:nvSpPr>
         <p:spPr>
           <a:xfrm>
-            <a:off x="7342908" y="274638"/>
-            <a:ext cx="1343891" cy="5851525"/>
+            <a:off x="7232072" y="274638"/>
+            <a:ext cx="1283277" cy="5851525"/>
           </a:xfrm>
         </p:spPr>
         <p:txBody>
-          <a:bodyPr vert="eaVert">
-            <a:normAutofit/>
-          </a:bodyPr>
-          <a:lstStyle>
-            <a:lvl1pPr>
-              <a:defRPr sz="3600">
-                <a:solidFill>
-                  <a:schemeClr val="tx2"/>
-                </a:solidFill>
-              </a:defRPr>
-            </a:lvl1pPr>
-          </a:lstStyle>
-          <a:p>
-            <a:r>
-              <a:rPr lang="zh-CN" altLang="en-US" dirty="0" smtClean="0"/>
+          <a:bodyPr vert="eaVert"/>
+          <a:lstStyle/>
+          <a:p>
+            <a:r>
+              <a:rPr lang="zh-CN" altLang="en-US" smtClean="0"/>
               <a:t>单击此处编辑母版标题样式</a:t>
             </a:r>
-            <a:endParaRPr lang="zh-CN" altLang="en-US" dirty="0"/>
+            <a:endParaRPr lang="zh-CN" altLang="en-US"/>
           </a:p>
         </p:txBody>
       </p:sp>
@@ -2430,54 +3095,52 @@
         </p:nvSpPr>
         <p:spPr>
           <a:xfrm>
-            <a:off x="457200" y="274638"/>
-            <a:ext cx="6691745" cy="5851525"/>
+            <a:off x="628650" y="274638"/>
+            <a:ext cx="6472794" cy="5851525"/>
           </a:xfrm>
         </p:spPr>
         <p:txBody>
-          <a:bodyPr vert="eaVert">
-            <a:normAutofit/>
-          </a:bodyPr>
+          <a:bodyPr vert="eaVert"/>
           <a:lstStyle/>
           <a:p>
             <a:pPr lvl="0"/>
             <a:r>
-              <a:rPr lang="zh-CN" altLang="en-US" dirty="0" smtClean="0"/>
+              <a:rPr lang="zh-CN" altLang="en-US" smtClean="0"/>
               <a:t>单击此处编辑母版文本样式</a:t>
             </a:r>
-            <a:endParaRPr lang="zh-CN" altLang="en-US" dirty="0" smtClean="0"/>
+            <a:endParaRPr lang="zh-CN" altLang="en-US" smtClean="0"/>
           </a:p>
           <a:p>
             <a:pPr lvl="1"/>
             <a:r>
-              <a:rPr lang="zh-CN" altLang="en-US" dirty="0" smtClean="0"/>
+              <a:rPr lang="zh-CN" altLang="en-US" smtClean="0"/>
               <a:t>第二级</a:t>
             </a:r>
-            <a:endParaRPr lang="zh-CN" altLang="en-US" dirty="0" smtClean="0"/>
+            <a:endParaRPr lang="zh-CN" altLang="en-US" smtClean="0"/>
           </a:p>
           <a:p>
             <a:pPr lvl="2"/>
             <a:r>
-              <a:rPr lang="zh-CN" altLang="en-US" dirty="0" smtClean="0"/>
+              <a:rPr lang="zh-CN" altLang="en-US" smtClean="0"/>
               <a:t>第三级</a:t>
             </a:r>
-            <a:endParaRPr lang="zh-CN" altLang="en-US" dirty="0" smtClean="0"/>
+            <a:endParaRPr lang="zh-CN" altLang="en-US" smtClean="0"/>
           </a:p>
           <a:p>
             <a:pPr lvl="3"/>
             <a:r>
-              <a:rPr lang="zh-CN" altLang="en-US" dirty="0" smtClean="0"/>
+              <a:rPr lang="zh-CN" altLang="en-US" smtClean="0"/>
               <a:t>第四级</a:t>
             </a:r>
-            <a:endParaRPr lang="zh-CN" altLang="en-US" dirty="0" smtClean="0"/>
+            <a:endParaRPr lang="zh-CN" altLang="en-US" smtClean="0"/>
           </a:p>
           <a:p>
             <a:pPr lvl="4"/>
             <a:r>
-              <a:rPr lang="zh-CN" altLang="en-US" dirty="0" smtClean="0"/>
+              <a:rPr lang="zh-CN" altLang="en-US" smtClean="0"/>
               <a:t>第五级</a:t>
             </a:r>
-            <a:endParaRPr lang="zh-CN" altLang="en-US" dirty="0"/>
+            <a:endParaRPr lang="zh-CN" altLang="en-US"/>
           </a:p>
         </p:txBody>
       </p:sp>
@@ -2496,7 +3159,7 @@
           <a:bodyPr/>
           <a:lstStyle/>
           <a:p>
-            <a:fld id="{BECE1962-2E07-4986-9530-9B9C1DA0450A}" type="datetimeFigureOut">
+            <a:fld id="{5CB1A4EA-703F-434D-840B-7B736DC1F13A}" type="datetimeFigureOut">
               <a:rPr lang="zh-CN" altLang="en-US" smtClean="0"/>
             </a:fld>
             <a:endParaRPr lang="zh-CN" altLang="en-US"/>
@@ -2537,7 +3200,7 @@
           <a:bodyPr/>
           <a:lstStyle/>
           <a:p>
-            <a:fld id="{07459E9C-D3C6-4515-99A0-01A69CEF9CD6}" type="slidenum">
+            <a:fld id="{6E96FF8D-76E8-4D51-A009-0CC74EA039FA}" type="slidenum">
               <a:rPr lang="zh-CN" altLang="en-US" smtClean="0"/>
             </a:fld>
             <a:endParaRPr lang="zh-CN" altLang="en-US"/>
@@ -2557,9 +3220,13 @@
   <p:cSld>
     <p:bg bwMode="auto">
       <p:bgPr>
-        <a:solidFill>
-          <a:schemeClr val="bg1"/>
-        </a:solidFill>
+        <a:blipFill dpi="0" rotWithShape="0">
+          <a:blip r:embed="rId11"/>
+          <a:srcRect/>
+          <a:stretch>
+            <a:fillRect/>
+          </a:stretch>
+        </a:blipFill>
         <a:effectLst/>
       </p:bgPr>
     </p:bg>
@@ -2590,7 +3257,7 @@
         <p:spPr bwMode="auto">
           <a:xfrm>
             <a:off x="457200" y="274638"/>
-            <a:ext cx="8229599" cy="1143000"/>
+            <a:ext cx="8229600" cy="1143000"/>
           </a:xfrm>
           <a:prstGeom prst="rect">
             <a:avLst/>
@@ -2620,19 +3287,17 @@
           </a:extLst>
         </p:spPr>
         <p:txBody>
-          <a:bodyPr vert="horz" wrap="square" lIns="91440" tIns="45720" rIns="91440" bIns="45720" numCol="1" anchor="ctr" anchorCtr="0" compatLnSpc="1"/>
+          <a:bodyPr vert="horz" wrap="square" lIns="91440" tIns="45720" rIns="91440" bIns="45720" numCol="1" anchor="ctr" anchorCtr="0" compatLnSpc="1">
+            <a:normAutofit/>
+          </a:bodyPr>
           <a:lstStyle/>
           <a:p>
             <a:pPr lvl="0"/>
             <a:r>
-              <a:rPr lang="zh-CN" altLang="zh-CN" smtClean="0">
-                <a:sym typeface="Arial" pitchFamily="34" charset="0"/>
-              </a:rPr>
+              <a:rPr lang="zh-CN" smtClean="0"/>
               <a:t>单击此处编辑母版标题样式</a:t>
             </a:r>
-            <a:endParaRPr lang="zh-CN" altLang="zh-CN" smtClean="0">
-              <a:sym typeface="Arial" pitchFamily="34" charset="0"/>
-            </a:endParaRPr>
+            <a:endParaRPr lang="zh-CN" smtClean="0"/>
           </a:p>
         </p:txBody>
       </p:sp>
@@ -2649,7 +3314,7 @@
         <p:spPr bwMode="auto">
           <a:xfrm>
             <a:off x="457200" y="1600200"/>
-            <a:ext cx="8229599" cy="4525963"/>
+            <a:ext cx="8229600" cy="4525963"/>
           </a:xfrm>
           <a:prstGeom prst="rect">
             <a:avLst/>
@@ -2658,6 +3323,7 @@
           <a:ln>
             <a:noFill/>
           </a:ln>
+          <a:effectLst/>
           <a:extLst>
             <a:ext uri="{909E8E84-426E-40DD-AFC4-6F175D3DCCD1}">
               <a14:hiddenFill xmlns:a14="http://schemas.microsoft.com/office/drawing/2010/main">
@@ -2676,68 +3342,79 @@
                 <a:tailEnd/>
               </a14:hiddenLine>
             </a:ext>
+            <a:ext uri="{AF507438-7753-43E0-B8FC-AC1667EBCBE1}">
+              <a14:hiddenEffects xmlns:a14="http://schemas.microsoft.com/office/drawing/2010/main">
+                <a:effectLst>
+                  <a:outerShdw dist="35921" dir="2700000" algn="ctr" rotWithShape="0">
+                    <a:srgbClr val="808080"/>
+                  </a:outerShdw>
+                </a:effectLst>
+              </a14:hiddenEffects>
+            </a:ext>
           </a:extLst>
         </p:spPr>
         <p:txBody>
-          <a:bodyPr vert="horz" wrap="square" lIns="91440" tIns="45720" rIns="91440" bIns="45720" numCol="1" anchor="t" anchorCtr="0" compatLnSpc="1"/>
+          <a:bodyPr vert="horz" wrap="square" lIns="91440" tIns="45720" rIns="91440" bIns="45720" numCol="1" anchor="t" anchorCtr="0" compatLnSpc="1">
+            <a:normAutofit/>
+          </a:bodyPr>
           <a:lstStyle/>
           <a:p>
             <a:pPr lvl="0"/>
             <a:r>
-              <a:rPr lang="zh-CN" altLang="zh-CN" dirty="0" smtClean="0">
+              <a:rPr lang="zh-CN" dirty="0" smtClean="0">
                 <a:sym typeface="Arial" pitchFamily="34" charset="0"/>
               </a:rPr>
               <a:t>单击此处编辑母版文本样式</a:t>
             </a:r>
-            <a:endParaRPr lang="zh-CN" altLang="zh-CN" dirty="0" smtClean="0">
+            <a:endParaRPr lang="zh-CN" dirty="0" smtClean="0">
               <a:sym typeface="Arial" pitchFamily="34" charset="0"/>
             </a:endParaRPr>
           </a:p>
           <a:p>
             <a:pPr lvl="1"/>
             <a:r>
-              <a:rPr lang="zh-CN" altLang="zh-CN" dirty="0" smtClean="0">
+              <a:rPr lang="zh-CN" dirty="0" smtClean="0">
                 <a:sym typeface="Arial" pitchFamily="34" charset="0"/>
               </a:rPr>
               <a:t>第二级</a:t>
             </a:r>
-            <a:endParaRPr lang="zh-CN" altLang="zh-CN" dirty="0" smtClean="0">
+            <a:endParaRPr lang="zh-CN" dirty="0" smtClean="0">
               <a:sym typeface="Arial" pitchFamily="34" charset="0"/>
             </a:endParaRPr>
           </a:p>
           <a:p>
             <a:pPr lvl="2"/>
             <a:r>
-              <a:rPr lang="zh-CN" altLang="zh-CN" dirty="0" smtClean="0">
+              <a:rPr lang="zh-CN" dirty="0" smtClean="0">
                 <a:sym typeface="Arial" pitchFamily="34" charset="0"/>
               </a:rPr>
               <a:t>第三级</a:t>
             </a:r>
-            <a:endParaRPr lang="zh-CN" altLang="zh-CN" dirty="0" smtClean="0">
+            <a:endParaRPr lang="zh-CN" dirty="0" smtClean="0">
               <a:sym typeface="Arial" pitchFamily="34" charset="0"/>
             </a:endParaRPr>
           </a:p>
           <a:p>
             <a:pPr lvl="3"/>
             <a:r>
-              <a:rPr lang="zh-CN" altLang="zh-CN" dirty="0" smtClean="0">
+              <a:rPr lang="zh-CN" dirty="0" smtClean="0">
                 <a:sym typeface="Arial" pitchFamily="34" charset="0"/>
               </a:rPr>
               <a:t>第四级</a:t>
             </a:r>
-            <a:endParaRPr lang="zh-CN" altLang="zh-CN" dirty="0" smtClean="0">
+            <a:endParaRPr lang="zh-CN" dirty="0" smtClean="0">
               <a:sym typeface="Arial" pitchFamily="34" charset="0"/>
             </a:endParaRPr>
           </a:p>
           <a:p>
             <a:pPr lvl="4"/>
             <a:r>
-              <a:rPr lang="zh-CN" altLang="zh-CN" dirty="0" smtClean="0">
+              <a:rPr lang="zh-CN" dirty="0" smtClean="0">
                 <a:sym typeface="Arial" pitchFamily="34" charset="0"/>
               </a:rPr>
               <a:t>第五级</a:t>
             </a:r>
-            <a:endParaRPr lang="zh-CN" altLang="zh-CN" dirty="0" smtClean="0">
+            <a:endParaRPr lang="zh-CN" dirty="0" smtClean="0">
               <a:sym typeface="Arial" pitchFamily="34" charset="0"/>
             </a:endParaRPr>
           </a:p>
@@ -2745,59 +3422,38 @@
       </p:sp>
       <p:sp>
         <p:nvSpPr>
-          <p:cNvPr id="1028" name="Rectangle 4"/>
-          <p:cNvSpPr>
-            <a:spLocks noGrp="1" noChangeArrowheads="1"/>
+          <p:cNvPr id="2" name="日期占位符 1"/>
+          <p:cNvSpPr>
+            <a:spLocks noGrp="1"/>
           </p:cNvSpPr>
           <p:nvPr>
             <p:ph type="dt" sz="half" idx="2"/>
           </p:nvPr>
         </p:nvSpPr>
-        <p:spPr bwMode="auto">
+        <p:spPr>
           <a:xfrm>
-            <a:off x="457200" y="6245225"/>
-            <a:ext cx="2133600" cy="476250"/>
+            <a:off x="628650" y="6356350"/>
+            <a:ext cx="2057400" cy="365125"/>
           </a:xfrm>
           <a:prstGeom prst="rect">
             <a:avLst/>
           </a:prstGeom>
-          <a:noFill/>
-          <a:ln>
-            <a:noFill/>
-          </a:ln>
-          <a:extLst>
-            <a:ext uri="{909E8E84-426E-40DD-AFC4-6F175D3DCCD1}">
-              <a14:hiddenFill xmlns:a14="http://schemas.microsoft.com/office/drawing/2010/main">
+        </p:spPr>
+        <p:txBody>
+          <a:bodyPr vert="horz" lIns="91440" tIns="45720" rIns="91440" bIns="45720" rtlCol="0" anchor="ctr"/>
+          <a:lstStyle>
+            <a:lvl1pPr algn="l">
+              <a:defRPr sz="1200">
                 <a:solidFill>
-                  <a:srgbClr val="FFFFFF"/>
+                  <a:schemeClr val="tx1">
+                    <a:tint val="75000"/>
+                  </a:schemeClr>
                 </a:solidFill>
-              </a14:hiddenFill>
-            </a:ext>
-            <a:ext uri="{91240B29-F687-4F45-9708-019B960494DF}">
-              <a14:hiddenLine xmlns:a14="http://schemas.microsoft.com/office/drawing/2010/main" w="9525">
-                <a:solidFill>
-                  <a:srgbClr val="000000"/>
-                </a:solidFill>
-                <a:miter lim="800000"/>
-                <a:headEnd/>
-                <a:tailEnd/>
-              </a14:hiddenLine>
-            </a:ext>
-          </a:extLst>
-        </p:spPr>
-        <p:txBody>
-          <a:bodyPr vert="horz" wrap="square" lIns="91440" tIns="45720" rIns="91440" bIns="45720" numCol="1" anchor="t" anchorCtr="0" compatLnSpc="1"/>
-          <a:lstStyle>
-            <a:lvl1pPr>
-              <a:defRPr sz="1400">
-                <a:latin typeface="Arial" pitchFamily="34" charset="0"/>
-                <a:ea typeface="黑体" pitchFamily="49" charset="-122"/>
-                <a:sym typeface="Arial" pitchFamily="34" charset="0"/>
               </a:defRPr>
             </a:lvl1pPr>
           </a:lstStyle>
           <a:p>
-            <a:fld id="{BECE1962-2E07-4986-9530-9B9C1DA0450A}" type="datetimeFigureOut">
+            <a:fld id="{5CB1A4EA-703F-434D-840B-7B736DC1F13A}" type="datetimeFigureOut">
               <a:rPr lang="zh-CN" altLang="en-US" smtClean="0"/>
             </a:fld>
             <a:endParaRPr lang="zh-CN" altLang="en-US"/>
@@ -2806,54 +3462,33 @@
       </p:sp>
       <p:sp>
         <p:nvSpPr>
-          <p:cNvPr id="1029" name="Rectangle 5"/>
-          <p:cNvSpPr>
-            <a:spLocks noGrp="1" noChangeArrowheads="1"/>
+          <p:cNvPr id="3" name="页脚占位符 2"/>
+          <p:cNvSpPr>
+            <a:spLocks noGrp="1"/>
           </p:cNvSpPr>
           <p:nvPr>
             <p:ph type="ftr" sz="quarter" idx="3"/>
           </p:nvPr>
         </p:nvSpPr>
-        <p:spPr bwMode="auto">
+        <p:spPr>
           <a:xfrm>
-            <a:off x="3124200" y="6245225"/>
-            <a:ext cx="2895600" cy="476250"/>
+            <a:off x="3028950" y="6356350"/>
+            <a:ext cx="3086100" cy="365125"/>
           </a:xfrm>
           <a:prstGeom prst="rect">
             <a:avLst/>
           </a:prstGeom>
-          <a:noFill/>
-          <a:ln>
-            <a:noFill/>
-          </a:ln>
-          <a:extLst>
-            <a:ext uri="{909E8E84-426E-40DD-AFC4-6F175D3DCCD1}">
-              <a14:hiddenFill xmlns:a14="http://schemas.microsoft.com/office/drawing/2010/main">
-                <a:solidFill>
-                  <a:srgbClr val="FFFFFF"/>
-                </a:solidFill>
-              </a14:hiddenFill>
-            </a:ext>
-            <a:ext uri="{91240B29-F687-4F45-9708-019B960494DF}">
-              <a14:hiddenLine xmlns:a14="http://schemas.microsoft.com/office/drawing/2010/main" w="9525">
-                <a:solidFill>
-                  <a:srgbClr val="000000"/>
-                </a:solidFill>
-                <a:miter lim="800000"/>
-                <a:headEnd/>
-                <a:tailEnd/>
-              </a14:hiddenLine>
-            </a:ext>
-          </a:extLst>
         </p:spPr>
         <p:txBody>
-          <a:bodyPr vert="horz" wrap="square" lIns="91440" tIns="45720" rIns="91440" bIns="45720" numCol="1" anchor="t" anchorCtr="0" compatLnSpc="1"/>
+          <a:bodyPr vert="horz" lIns="91440" tIns="45720" rIns="91440" bIns="45720" rtlCol="0" anchor="ctr"/>
           <a:lstStyle>
             <a:lvl1pPr algn="ctr">
-              <a:defRPr sz="1400">
-                <a:latin typeface="Arial" pitchFamily="34" charset="0"/>
-                <a:ea typeface="黑体" pitchFamily="49" charset="-122"/>
-                <a:sym typeface="Arial" pitchFamily="34" charset="0"/>
+              <a:defRPr sz="1200">
+                <a:solidFill>
+                  <a:schemeClr val="tx1">
+                    <a:tint val="75000"/>
+                  </a:schemeClr>
+                </a:solidFill>
               </a:defRPr>
             </a:lvl1pPr>
           </a:lstStyle>
@@ -2864,59 +3499,38 @@
       </p:sp>
       <p:sp>
         <p:nvSpPr>
-          <p:cNvPr id="1030" name="Rectangle 6"/>
-          <p:cNvSpPr>
-            <a:spLocks noGrp="1" noChangeArrowheads="1"/>
+          <p:cNvPr id="4" name="灯片编号占位符 3"/>
+          <p:cNvSpPr>
+            <a:spLocks noGrp="1"/>
           </p:cNvSpPr>
           <p:nvPr>
             <p:ph type="sldNum" sz="quarter" idx="4"/>
           </p:nvPr>
         </p:nvSpPr>
-        <p:spPr bwMode="auto">
+        <p:spPr>
           <a:xfrm>
-            <a:off x="6553200" y="6245225"/>
-            <a:ext cx="2133600" cy="476250"/>
+            <a:off x="6457950" y="6356350"/>
+            <a:ext cx="2057400" cy="365125"/>
           </a:xfrm>
           <a:prstGeom prst="rect">
             <a:avLst/>
           </a:prstGeom>
-          <a:noFill/>
-          <a:ln>
-            <a:noFill/>
-          </a:ln>
-          <a:extLst>
-            <a:ext uri="{909E8E84-426E-40DD-AFC4-6F175D3DCCD1}">
-              <a14:hiddenFill xmlns:a14="http://schemas.microsoft.com/office/drawing/2010/main">
-                <a:solidFill>
-                  <a:srgbClr val="FFFFFF"/>
-                </a:solidFill>
-              </a14:hiddenFill>
-            </a:ext>
-            <a:ext uri="{91240B29-F687-4F45-9708-019B960494DF}">
-              <a14:hiddenLine xmlns:a14="http://schemas.microsoft.com/office/drawing/2010/main" w="9525">
-                <a:solidFill>
-                  <a:srgbClr val="000000"/>
-                </a:solidFill>
-                <a:miter lim="800000"/>
-                <a:headEnd/>
-                <a:tailEnd/>
-              </a14:hiddenLine>
-            </a:ext>
-          </a:extLst>
         </p:spPr>
         <p:txBody>
-          <a:bodyPr vert="horz" wrap="square" lIns="91440" tIns="45720" rIns="91440" bIns="45720" numCol="1" anchor="t" anchorCtr="0" compatLnSpc="1"/>
+          <a:bodyPr vert="horz" lIns="91440" tIns="45720" rIns="91440" bIns="45720" rtlCol="0" anchor="ctr"/>
           <a:lstStyle>
             <a:lvl1pPr algn="r">
-              <a:defRPr sz="1400">
-                <a:latin typeface="Arial" pitchFamily="34" charset="0"/>
-                <a:ea typeface="黑体" pitchFamily="49" charset="-122"/>
-                <a:sym typeface="Arial" pitchFamily="34" charset="0"/>
+              <a:defRPr sz="1200">
+                <a:solidFill>
+                  <a:schemeClr val="tx1">
+                    <a:tint val="75000"/>
+                  </a:schemeClr>
+                </a:solidFill>
               </a:defRPr>
             </a:lvl1pPr>
           </a:lstStyle>
           <a:p>
-            <a:fld id="{07459E9C-D3C6-4515-99A0-01A69CEF9CD6}" type="slidenum">
+            <a:fld id="{6E96FF8D-76E8-4D51-A009-0CC74EA039FA}" type="slidenum">
               <a:rPr lang="zh-CN" altLang="en-US" smtClean="0"/>
             </a:fld>
             <a:endParaRPr lang="zh-CN" altLang="en-US"/>
@@ -2940,7 +3554,7 @@
   </p:sldLayoutIdLst>
   <p:txStyles>
     <p:titleStyle>
-      <a:lvl1pPr algn="l" rtl="0" fontAlgn="base">
+      <a:lvl1pPr algn="ctr" rtl="0" eaLnBrk="0" fontAlgn="base" hangingPunct="0">
         <a:spcBef>
           <a:spcPct val="0"/>
         </a:spcBef>
@@ -2949,250 +3563,247 @@
         </a:spcAft>
         <a:defRPr sz="3600" kern="1200">
           <a:solidFill>
-            <a:schemeClr val="tx2"/>
+            <a:srgbClr val="654760"/>
           </a:solidFill>
-          <a:latin typeface="+mj-ea"/>
-          <a:ea typeface="+mj-ea"/>
+          <a:latin typeface="Arial" pitchFamily="34" charset="0"/>
+          <a:ea typeface="黑体" pitchFamily="49" charset="-122"/>
           <a:cs typeface="+mj-cs"/>
           <a:sym typeface="Arial" pitchFamily="34" charset="0"/>
         </a:defRPr>
       </a:lvl1pPr>
-      <a:lvl2pPr algn="l" rtl="0" fontAlgn="base">
+      <a:lvl2pPr algn="ctr" rtl="0" eaLnBrk="0" fontAlgn="base" hangingPunct="0">
         <a:spcBef>
           <a:spcPct val="0"/>
         </a:spcBef>
         <a:spcAft>
           <a:spcPct val="0"/>
         </a:spcAft>
-        <a:defRPr sz="2800">
+        <a:defRPr sz="3600">
           <a:solidFill>
-            <a:schemeClr val="tx1"/>
+            <a:srgbClr val="654760"/>
           </a:solidFill>
           <a:latin typeface="Arial" pitchFamily="34" charset="0"/>
           <a:ea typeface="黑体" pitchFamily="49" charset="-122"/>
-          <a:sym typeface="Arial" pitchFamily="34" charset="0"/>
         </a:defRPr>
       </a:lvl2pPr>
-      <a:lvl3pPr algn="l" rtl="0" fontAlgn="base">
+      <a:lvl3pPr algn="ctr" rtl="0" eaLnBrk="0" fontAlgn="base" hangingPunct="0">
         <a:spcBef>
           <a:spcPct val="0"/>
         </a:spcBef>
         <a:spcAft>
           <a:spcPct val="0"/>
         </a:spcAft>
-        <a:defRPr sz="2800">
+        <a:defRPr sz="3600">
           <a:solidFill>
-            <a:schemeClr val="tx1"/>
+            <a:srgbClr val="654760"/>
           </a:solidFill>
           <a:latin typeface="Arial" pitchFamily="34" charset="0"/>
           <a:ea typeface="黑体" pitchFamily="49" charset="-122"/>
-          <a:sym typeface="Arial" pitchFamily="34" charset="0"/>
         </a:defRPr>
       </a:lvl3pPr>
-      <a:lvl4pPr algn="l" rtl="0" fontAlgn="base">
+      <a:lvl4pPr algn="ctr" rtl="0" eaLnBrk="0" fontAlgn="base" hangingPunct="0">
         <a:spcBef>
           <a:spcPct val="0"/>
         </a:spcBef>
         <a:spcAft>
           <a:spcPct val="0"/>
         </a:spcAft>
-        <a:defRPr sz="2800">
+        <a:defRPr sz="3600">
           <a:solidFill>
-            <a:schemeClr val="tx1"/>
+            <a:srgbClr val="654760"/>
           </a:solidFill>
           <a:latin typeface="Arial" pitchFamily="34" charset="0"/>
           <a:ea typeface="黑体" pitchFamily="49" charset="-122"/>
-          <a:sym typeface="Arial" pitchFamily="34" charset="0"/>
         </a:defRPr>
       </a:lvl4pPr>
-      <a:lvl5pPr algn="l" rtl="0" fontAlgn="base">
+      <a:lvl5pPr algn="ctr" rtl="0" eaLnBrk="0" fontAlgn="base" hangingPunct="0">
         <a:spcBef>
           <a:spcPct val="0"/>
         </a:spcBef>
         <a:spcAft>
           <a:spcPct val="0"/>
         </a:spcAft>
-        <a:defRPr sz="2800">
+        <a:defRPr sz="3600">
           <a:solidFill>
-            <a:schemeClr val="tx1"/>
+            <a:srgbClr val="654760"/>
           </a:solidFill>
           <a:latin typeface="Arial" pitchFamily="34" charset="0"/>
           <a:ea typeface="黑体" pitchFamily="49" charset="-122"/>
-          <a:sym typeface="Arial" pitchFamily="34" charset="0"/>
         </a:defRPr>
       </a:lvl5pPr>
-      <a:lvl6pPr marL="457200" algn="l" rtl="0" fontAlgn="base">
+      <a:lvl6pPr marL="457200" algn="ctr" rtl="0" eaLnBrk="0" fontAlgn="base" hangingPunct="0">
         <a:spcBef>
           <a:spcPct val="0"/>
         </a:spcBef>
         <a:spcAft>
           <a:spcPct val="0"/>
         </a:spcAft>
-        <a:defRPr sz="2800">
+        <a:defRPr sz="3600">
           <a:solidFill>
-            <a:schemeClr val="tx1"/>
+            <a:srgbClr val="654760"/>
           </a:solidFill>
           <a:latin typeface="Arial" pitchFamily="34" charset="0"/>
           <a:ea typeface="黑体" pitchFamily="49" charset="-122"/>
-          <a:sym typeface="Arial" pitchFamily="34" charset="0"/>
         </a:defRPr>
       </a:lvl6pPr>
-      <a:lvl7pPr marL="914400" algn="l" rtl="0" fontAlgn="base">
+      <a:lvl7pPr marL="914400" algn="ctr" rtl="0" eaLnBrk="0" fontAlgn="base" hangingPunct="0">
         <a:spcBef>
           <a:spcPct val="0"/>
         </a:spcBef>
         <a:spcAft>
           <a:spcPct val="0"/>
         </a:spcAft>
-        <a:defRPr sz="2800">
+        <a:defRPr sz="3600">
           <a:solidFill>
-            <a:schemeClr val="tx1"/>
+            <a:srgbClr val="654760"/>
           </a:solidFill>
           <a:latin typeface="Arial" pitchFamily="34" charset="0"/>
           <a:ea typeface="黑体" pitchFamily="49" charset="-122"/>
-          <a:sym typeface="Arial" pitchFamily="34" charset="0"/>
         </a:defRPr>
       </a:lvl7pPr>
-      <a:lvl8pPr marL="1371600" algn="l" rtl="0" fontAlgn="base">
+      <a:lvl8pPr marL="1371600" algn="ctr" rtl="0" eaLnBrk="0" fontAlgn="base" hangingPunct="0">
         <a:spcBef>
           <a:spcPct val="0"/>
         </a:spcBef>
         <a:spcAft>
           <a:spcPct val="0"/>
         </a:spcAft>
-        <a:defRPr sz="2800">
+        <a:defRPr sz="3600">
           <a:solidFill>
-            <a:schemeClr val="tx1"/>
+            <a:srgbClr val="654760"/>
           </a:solidFill>
           <a:latin typeface="Arial" pitchFamily="34" charset="0"/>
           <a:ea typeface="黑体" pitchFamily="49" charset="-122"/>
-          <a:sym typeface="Arial" pitchFamily="34" charset="0"/>
         </a:defRPr>
       </a:lvl8pPr>
-      <a:lvl9pPr marL="1828800" algn="l" rtl="0" fontAlgn="base">
+      <a:lvl9pPr marL="1828800" algn="ctr" rtl="0" eaLnBrk="0" fontAlgn="base" hangingPunct="0">
         <a:spcBef>
           <a:spcPct val="0"/>
         </a:spcBef>
         <a:spcAft>
           <a:spcPct val="0"/>
         </a:spcAft>
-        <a:defRPr sz="2800">
+        <a:defRPr sz="3600">
           <a:solidFill>
-            <a:schemeClr val="tx1"/>
+            <a:srgbClr val="654760"/>
           </a:solidFill>
           <a:latin typeface="Arial" pitchFamily="34" charset="0"/>
           <a:ea typeface="黑体" pitchFamily="49" charset="-122"/>
-          <a:sym typeface="Arial" pitchFamily="34" charset="0"/>
         </a:defRPr>
       </a:lvl9pPr>
     </p:titleStyle>
     <p:bodyStyle>
-      <a:lvl1pPr marL="285750" indent="-285750" algn="l" rtl="0" fontAlgn="base">
-        <a:lnSpc>
-          <a:spcPct val="80000"/>
-        </a:lnSpc>
+      <a:lvl1pPr marL="365125" indent="-365125" algn="l" rtl="0" fontAlgn="base">
         <a:spcBef>
-          <a:spcPct val="20000"/>
+          <a:spcPct val="0"/>
         </a:spcBef>
         <a:spcAft>
           <a:spcPct val="0"/>
         </a:spcAft>
-        <a:buFont typeface="Arial" pitchFamily="34" charset="0"/>
-        <a:buChar char="•"/>
+        <a:buClr>
+          <a:srgbClr val="634560"/>
+        </a:buClr>
+        <a:buSzPct val="80000"/>
+        <a:buFont typeface="Wingdings" pitchFamily="2" charset="2"/>
+        <a:buChar char="l"/>
         <a:defRPr sz="2400" kern="1200">
           <a:solidFill>
             <a:schemeClr val="bg2"/>
           </a:solidFill>
-          <a:latin typeface="+mn-ea"/>
-          <a:ea typeface="+mn-ea"/>
+          <a:latin typeface="Arial" pitchFamily="34" charset="0"/>
+          <a:ea typeface="黑体" pitchFamily="49" charset="-122"/>
           <a:cs typeface="+mn-cs"/>
           <a:sym typeface="Arial" pitchFamily="34" charset="0"/>
         </a:defRPr>
       </a:lvl1pPr>
-      <a:lvl2pPr marL="742950" indent="-285750" algn="l" rtl="0" fontAlgn="base">
-        <a:lnSpc>
-          <a:spcPct val="80000"/>
-        </a:lnSpc>
+      <a:lvl2pPr marL="1108075" indent="-285750" algn="l" rtl="0" fontAlgn="base">
         <a:spcBef>
-          <a:spcPct val="20000"/>
+          <a:spcPct val="0"/>
         </a:spcBef>
         <a:spcAft>
           <a:spcPct val="0"/>
         </a:spcAft>
-        <a:buFont typeface="Arial" pitchFamily="34" charset="0"/>
-        <a:buChar char="•"/>
+        <a:buClr>
+          <a:srgbClr val="634560"/>
+        </a:buClr>
+        <a:buSzPct val="80000"/>
+        <a:buFont typeface="Wingdings" pitchFamily="2" charset="2"/>
+        <a:buChar char="l"/>
         <a:defRPr sz="2000" kern="1200">
           <a:solidFill>
             <a:schemeClr val="bg2"/>
           </a:solidFill>
-          <a:latin typeface="+mn-ea"/>
-          <a:ea typeface="+mn-ea"/>
+          <a:latin typeface="Arial" pitchFamily="34" charset="0"/>
+          <a:ea typeface="黑体" pitchFamily="49" charset="-122"/>
           <a:cs typeface="+mn-cs"/>
           <a:sym typeface="Arial" pitchFamily="34" charset="0"/>
         </a:defRPr>
       </a:lvl2pPr>
-      <a:lvl3pPr marL="1200150" indent="-285750" algn="l" rtl="0" fontAlgn="base">
-        <a:lnSpc>
-          <a:spcPct val="80000"/>
-        </a:lnSpc>
+      <a:lvl3pPr marL="1508125" indent="-228600" algn="l" rtl="0" fontAlgn="base">
         <a:spcBef>
-          <a:spcPct val="20000"/>
+          <a:spcPct val="0"/>
         </a:spcBef>
         <a:spcAft>
           <a:spcPct val="0"/>
         </a:spcAft>
-        <a:buFont typeface="Arial" pitchFamily="34" charset="0"/>
-        <a:buChar char="•"/>
+        <a:buClr>
+          <a:srgbClr val="634560"/>
+        </a:buClr>
+        <a:buSzPct val="80000"/>
+        <a:buFont typeface="Wingdings" pitchFamily="2" charset="2"/>
+        <a:buChar char="l"/>
         <a:defRPr kern="1200">
           <a:solidFill>
             <a:schemeClr val="bg2"/>
           </a:solidFill>
-          <a:latin typeface="+mn-ea"/>
-          <a:ea typeface="+mn-ea"/>
+          <a:latin typeface="Arial" pitchFamily="34" charset="0"/>
+          <a:ea typeface="黑体" pitchFamily="49" charset="-122"/>
           <a:cs typeface="+mn-cs"/>
           <a:sym typeface="Arial" pitchFamily="34" charset="0"/>
         </a:defRPr>
       </a:lvl3pPr>
-      <a:lvl4pPr marL="1657350" indent="-285750" algn="l" rtl="0" fontAlgn="base">
-        <a:lnSpc>
-          <a:spcPct val="80000"/>
-        </a:lnSpc>
+      <a:lvl4pPr marL="1965325" indent="-228600" algn="l" rtl="0" fontAlgn="base">
         <a:spcBef>
-          <a:spcPct val="20000"/>
+          <a:spcPct val="0"/>
         </a:spcBef>
         <a:spcAft>
           <a:spcPct val="0"/>
         </a:spcAft>
-        <a:buFont typeface="Arial" pitchFamily="34" charset="0"/>
-        <a:buChar char="•"/>
+        <a:buClr>
+          <a:srgbClr val="634560"/>
+        </a:buClr>
+        <a:buSzPct val="80000"/>
+        <a:buFont typeface="Wingdings" pitchFamily="2" charset="2"/>
+        <a:buChar char="l"/>
         <a:defRPr kern="1200">
           <a:solidFill>
             <a:schemeClr val="bg2"/>
           </a:solidFill>
-          <a:latin typeface="+mn-ea"/>
-          <a:ea typeface="+mn-ea"/>
+          <a:latin typeface="Arial" pitchFamily="34" charset="0"/>
+          <a:ea typeface="黑体" pitchFamily="49" charset="-122"/>
           <a:cs typeface="+mn-cs"/>
           <a:sym typeface="Arial" pitchFamily="34" charset="0"/>
         </a:defRPr>
       </a:lvl4pPr>
-      <a:lvl5pPr marL="2114550" indent="-285750" algn="l" rtl="0" fontAlgn="base">
-        <a:lnSpc>
-          <a:spcPct val="80000"/>
-        </a:lnSpc>
+      <a:lvl5pPr marL="2422525" indent="-228600" algn="l" rtl="0" fontAlgn="base">
         <a:spcBef>
-          <a:spcPct val="20000"/>
+          <a:spcPct val="0"/>
         </a:spcBef>
         <a:spcAft>
           <a:spcPct val="0"/>
         </a:spcAft>
-        <a:buFont typeface="Arial" pitchFamily="34" charset="0"/>
-        <a:buChar char="•"/>
+        <a:buClr>
+          <a:srgbClr val="634560"/>
+        </a:buClr>
+        <a:buSzPct val="80000"/>
+        <a:buFont typeface="Wingdings" pitchFamily="2" charset="2"/>
+        <a:buChar char="l"/>
         <a:defRPr kern="1200">
           <a:solidFill>
             <a:schemeClr val="bg2"/>
           </a:solidFill>
-          <a:latin typeface="+mn-ea"/>
-          <a:ea typeface="+mn-ea"/>
+          <a:latin typeface="Arial" pitchFamily="34" charset="0"/>
+          <a:ea typeface="黑体" pitchFamily="49" charset="-122"/>
           <a:cs typeface="+mn-cs"/>
           <a:sym typeface="Arial" pitchFamily="34" charset="0"/>
         </a:defRPr>
@@ -3398,7 +4009,7 @@
         </p:nvSpPr>
         <p:spPr>
           <a:xfrm>
-            <a:off x="581921" y="790330"/>
+            <a:off x="172981" y="2705490"/>
             <a:ext cx="6710130" cy="2209139"/>
           </a:xfrm>
         </p:spPr>
@@ -3441,18 +4052,62 @@
           <a:lstStyle/>
           <a:p>
             <a:r>
-              <a:rPr kumimoji="1" lang="zh-CN" altLang="en-US" dirty="0" smtClean="0"/>
+              <a:rPr kumimoji="1" lang="zh-CN" altLang="en-US" dirty="0" smtClean="0">
+                <a:solidFill>
+                  <a:schemeClr val="accent1"/>
+                </a:solidFill>
+                <a:effectLst>
+                  <a:outerShdw blurRad="38100" dist="25400" dir="5400000" algn="ctr" rotWithShape="0">
+                    <a:srgbClr val="6E747A">
+                      <a:alpha val="43000"/>
+                    </a:srgbClr>
+                  </a:outerShdw>
+                </a:effectLst>
+              </a:rPr>
               <a:t>软件工程实验项目</a:t>
             </a:r>
             <a:r>
-              <a:rPr kumimoji="1" lang="en-US" altLang="zh-CN" dirty="0" smtClean="0"/>
+              <a:rPr kumimoji="1" lang="en-US" altLang="zh-CN" dirty="0" smtClean="0">
+                <a:solidFill>
+                  <a:schemeClr val="accent1"/>
+                </a:solidFill>
+                <a:effectLst>
+                  <a:outerShdw blurRad="38100" dist="25400" dir="5400000" algn="ctr" rotWithShape="0">
+                    <a:srgbClr val="6E747A">
+                      <a:alpha val="43000"/>
+                    </a:srgbClr>
+                  </a:outerShdw>
+                </a:effectLst>
+              </a:rPr>
               <a:t>-C</a:t>
             </a:r>
             <a:r>
-              <a:rPr kumimoji="1" lang="zh-CN" altLang="en-US" dirty="0" smtClean="0"/>
+              <a:rPr kumimoji="1" lang="zh-CN" altLang="en-US" dirty="0" smtClean="0">
+                <a:solidFill>
+                  <a:schemeClr val="accent1"/>
+                </a:solidFill>
+                <a:effectLst>
+                  <a:outerShdw blurRad="38100" dist="25400" dir="5400000" algn="ctr" rotWithShape="0">
+                    <a:srgbClr val="6E747A">
+                      <a:alpha val="43000"/>
+                    </a:srgbClr>
+                  </a:outerShdw>
+                </a:effectLst>
+              </a:rPr>
               <a:t>组</a:t>
             </a:r>
-            <a:endParaRPr kumimoji="1" lang="zh-CN" altLang="en-US" dirty="0"/>
+            <a:endParaRPr kumimoji="1" lang="zh-CN" altLang="en-US" dirty="0" smtClean="0">
+              <a:solidFill>
+                <a:schemeClr val="accent1"/>
+              </a:solidFill>
+              <a:effectLst>
+                <a:outerShdw blurRad="38100" dist="25400" dir="5400000" algn="ctr" rotWithShape="0">
+                  <a:srgbClr val="6E747A">
+                    <a:alpha val="43000"/>
+                  </a:srgbClr>
+                </a:outerShdw>
+              </a:effectLst>
+            </a:endParaRPr>
           </a:p>
         </p:txBody>
       </p:sp>
@@ -3466,7 +4121,7 @@
         </p:nvSpPr>
         <p:spPr>
           <a:xfrm>
-            <a:off x="4601845" y="2999740"/>
+            <a:off x="4425950" y="3588385"/>
             <a:ext cx="3883025" cy="703580"/>
           </a:xfrm>
           <a:prstGeom prst="rect">
@@ -3615,10 +4270,32 @@
           <a:bodyPr/>
           <a:p>
             <a:r>
-              <a:rPr lang="zh-CN" altLang="en-US"/>
+              <a:rPr lang="zh-CN" altLang="en-US">
+                <a:solidFill>
+                  <a:schemeClr val="accent1"/>
+                </a:solidFill>
+                <a:effectLst>
+                  <a:outerShdw blurRad="38100" dist="25400" dir="5400000" algn="ctr" rotWithShape="0">
+                    <a:srgbClr val="6E747A">
+                      <a:alpha val="43000"/>
+                    </a:srgbClr>
+                  </a:outerShdw>
+                </a:effectLst>
+              </a:rPr>
               <a:t>用例图</a:t>
             </a:r>
-            <a:endParaRPr lang="zh-CN" altLang="en-US"/>
+            <a:endParaRPr lang="zh-CN" altLang="en-US">
+              <a:solidFill>
+                <a:schemeClr val="accent1"/>
+              </a:solidFill>
+              <a:effectLst>
+                <a:outerShdw blurRad="38100" dist="25400" dir="5400000" algn="ctr" rotWithShape="0">
+                  <a:srgbClr val="6E747A">
+                    <a:alpha val="43000"/>
+                  </a:srgbClr>
+                </a:outerShdw>
+              </a:effectLst>
+            </a:endParaRPr>
           </a:p>
         </p:txBody>
       </p:sp>
@@ -3640,8 +4317,8 @@
         </p:blipFill>
         <p:spPr>
           <a:xfrm>
-            <a:off x="917575" y="2680970"/>
-            <a:ext cx="7305675" cy="3095625"/>
+            <a:off x="6350" y="2136140"/>
+            <a:ext cx="9114790" cy="3862705"/>
           </a:xfrm>
           <a:prstGeom prst="rect">
             <a:avLst/>
@@ -3679,7 +4356,12 @@
             <p:ph type="title"/>
           </p:nvPr>
         </p:nvSpPr>
-        <p:spPr/>
+        <p:spPr>
+          <a:xfrm>
+            <a:off x="457200" y="773430"/>
+            <a:ext cx="3350260" cy="1143000"/>
+          </a:xfrm>
+        </p:spPr>
         <p:txBody>
           <a:bodyPr/>
           <a:p>
@@ -3738,31 +4420,9 @@
         <p:nvPr/>
       </p:nvGrpSpPr>
       <p:grpSpPr/>
-      <p:sp>
-        <p:nvSpPr>
-          <p:cNvPr id="2" name="标题 1"/>
-          <p:cNvSpPr>
-            <a:spLocks noGrp="1"/>
-          </p:cNvSpPr>
-          <p:nvPr>
-            <p:ph type="title"/>
-          </p:nvPr>
-        </p:nvSpPr>
-        <p:spPr/>
-        <p:txBody>
-          <a:bodyPr/>
-          <a:p>
-            <a:r>
-              <a:rPr lang="zh-CN" altLang="en-US"/>
-              <a:t>类图</a:t>
-            </a:r>
-            <a:endParaRPr lang="zh-CN" altLang="en-US"/>
-          </a:p>
-        </p:txBody>
-      </p:sp>
       <p:pic>
         <p:nvPicPr>
-          <p:cNvPr id="4" name="内容占位符 3" descr="需求__类图_0"/>
+          <p:cNvPr id="6" name="内容占位符 5" descr="类图"/>
           <p:cNvPicPr>
             <a:picLocks noChangeAspect="1"/>
           </p:cNvPicPr>
@@ -3778,8 +4438,8 @@
         </p:blipFill>
         <p:spPr>
           <a:xfrm>
-            <a:off x="1022350" y="609600"/>
-            <a:ext cx="7263130" cy="6136640"/>
+            <a:off x="36830" y="819785"/>
+            <a:ext cx="9062085" cy="5363210"/>
           </a:xfrm>
           <a:prstGeom prst="rect">
             <a:avLst/>
@@ -3807,28 +4467,6 @@
         <p:nvPr/>
       </p:nvGrpSpPr>
       <p:grpSpPr/>
-      <p:sp>
-        <p:nvSpPr>
-          <p:cNvPr id="2" name="标题 1"/>
-          <p:cNvSpPr>
-            <a:spLocks noGrp="1"/>
-          </p:cNvSpPr>
-          <p:nvPr>
-            <p:ph type="title"/>
-          </p:nvPr>
-        </p:nvSpPr>
-        <p:spPr/>
-        <p:txBody>
-          <a:bodyPr/>
-          <a:p>
-            <a:r>
-              <a:rPr lang="zh-CN" altLang="en-US"/>
-              <a:t>请求处理</a:t>
-            </a:r>
-            <a:endParaRPr lang="zh-CN" altLang="en-US"/>
-          </a:p>
-        </p:txBody>
-      </p:sp>
       <p:pic>
         <p:nvPicPr>
           <p:cNvPr id="4" name="内容占位符 3" descr="需求__序列图__处理请求__处理请求_2"/>
@@ -3847,14 +4485,73 @@
         </p:blipFill>
         <p:spPr>
           <a:xfrm>
-            <a:off x="309880" y="2073275"/>
-            <a:ext cx="9314815" cy="5050790"/>
+            <a:off x="-31750" y="1936115"/>
+            <a:ext cx="9692640" cy="5255895"/>
           </a:xfrm>
           <a:prstGeom prst="rect">
             <a:avLst/>
           </a:prstGeom>
         </p:spPr>
       </p:pic>
+      <p:sp>
+        <p:nvSpPr>
+          <p:cNvPr id="6" name="标题 5"/>
+          <p:cNvSpPr>
+            <a:spLocks noGrp="1"/>
+          </p:cNvSpPr>
+          <p:nvPr>
+            <p:ph type="title"/>
+          </p:nvPr>
+        </p:nvSpPr>
+        <p:spPr/>
+        <p:txBody>
+          <a:bodyPr/>
+          <a:p>
+            <a:r>
+              <a:rPr lang="en-US" altLang="zh-CN">
+                <a:solidFill>
+                  <a:schemeClr val="accent1"/>
+                </a:solidFill>
+                <a:effectLst>
+                  <a:outerShdw blurRad="38100" dist="25400" dir="5400000" algn="ctr" rotWithShape="0">
+                    <a:srgbClr val="6E747A">
+                      <a:alpha val="43000"/>
+                    </a:srgbClr>
+                  </a:outerShdw>
+                </a:effectLst>
+              </a:rPr>
+              <a:t>HTTP</a:t>
+            </a:r>
+            <a:r>
+              <a:rPr lang="zh-CN" altLang="en-US">
+                <a:solidFill>
+                  <a:schemeClr val="accent1"/>
+                </a:solidFill>
+                <a:effectLst>
+                  <a:outerShdw blurRad="38100" dist="25400" dir="5400000" algn="ctr" rotWithShape="0">
+                    <a:srgbClr val="6E747A">
+                      <a:alpha val="43000"/>
+                    </a:srgbClr>
+                  </a:outerShdw>
+                </a:effectLst>
+              </a:rPr>
+              <a:t>请求序列图</a:t>
+            </a:r>
+            <a:endParaRPr lang="zh-CN" altLang="en-US">
+              <a:solidFill>
+                <a:schemeClr val="accent1"/>
+              </a:solidFill>
+              <a:effectLst>
+                <a:outerShdw blurRad="38100" dist="25400" dir="5400000" algn="ctr" rotWithShape="0">
+                  <a:srgbClr val="6E747A">
+                    <a:alpha val="43000"/>
+                  </a:srgbClr>
+                </a:outerShdw>
+              </a:effectLst>
+            </a:endParaRPr>
+          </a:p>
+        </p:txBody>
+      </p:sp>
     </p:spTree>
     <p:custDataLst>
       <p:tags r:id="rId2"/>
@@ -3878,7 +4575,67 @@
       <p:grpSpPr/>
       <p:sp>
         <p:nvSpPr>
-          <p:cNvPr id="2" name="标题 1"/>
+          <p:cNvPr id="3" name="内容占位符 2"/>
+          <p:cNvSpPr>
+            <a:spLocks noGrp="1"/>
+          </p:cNvSpPr>
+          <p:nvPr>
+            <p:ph idx="1"/>
+          </p:nvPr>
+        </p:nvSpPr>
+        <p:spPr/>
+        <p:txBody>
+          <a:bodyPr/>
+          <a:p>
+            <a:endParaRPr lang="zh-CN" altLang="en-US" sz="3600"/>
+          </a:p>
+          <a:p>
+            <a:r>
+              <a:rPr lang="zh-CN" altLang="en-US" sz="3600"/>
+              <a:t>跨平台</a:t>
+            </a:r>
+            <a:endParaRPr lang="zh-CN" altLang="en-US" sz="3600"/>
+          </a:p>
+          <a:p>
+            <a:r>
+              <a:rPr lang="zh-CN" altLang="en-US" sz="3600"/>
+              <a:t>稳定性</a:t>
+            </a:r>
+            <a:endParaRPr lang="zh-CN" altLang="en-US" sz="3600"/>
+          </a:p>
+          <a:p>
+            <a:r>
+              <a:rPr lang="zh-CN" altLang="en-US" sz="3600"/>
+              <a:t>高并发：事件机制</a:t>
+            </a:r>
+            <a:endParaRPr lang="zh-CN" altLang="en-US" sz="3600"/>
+          </a:p>
+          <a:p>
+            <a:endParaRPr lang="zh-CN" altLang="en-US" sz="3600"/>
+          </a:p>
+          <a:p>
+            <a:r>
+              <a:rPr lang="zh-CN" altLang="en-US" sz="3600"/>
+              <a:t>推荐阅读：</a:t>
+            </a:r>
+            <a:r>
+              <a:rPr lang="en-US" altLang="zh-CN" sz="3600"/>
+              <a:t>Libevent</a:t>
+            </a:r>
+            <a:r>
+              <a:rPr lang="zh-CN" altLang="en-US" sz="3600"/>
+              <a:t>库</a:t>
+            </a:r>
+            <a:endParaRPr lang="zh-CN" altLang="en-US" sz="3600"/>
+          </a:p>
+          <a:p>
+            <a:endParaRPr lang="zh-CN" altLang="en-US" sz="3600"/>
+          </a:p>
+        </p:txBody>
+      </p:sp>
+      <p:sp>
+        <p:nvSpPr>
+          <p:cNvPr id="5" name="标题 4"/>
           <p:cNvSpPr>
             <a:spLocks noGrp="1"/>
           </p:cNvSpPr>
@@ -3891,64 +4648,32 @@
           <a:bodyPr/>
           <a:p>
             <a:r>
-              <a:rPr lang="zh-CN" altLang="en-US"/>
-              <a:t>功能性需求</a:t>
-            </a:r>
-            <a:endParaRPr lang="zh-CN" altLang="en-US"/>
-          </a:p>
-        </p:txBody>
-      </p:sp>
-      <p:sp>
-        <p:nvSpPr>
-          <p:cNvPr id="3" name="内容占位符 2"/>
-          <p:cNvSpPr>
-            <a:spLocks noGrp="1"/>
-          </p:cNvSpPr>
-          <p:nvPr>
-            <p:ph idx="1"/>
-          </p:nvPr>
-        </p:nvSpPr>
-        <p:spPr/>
-        <p:txBody>
-          <a:bodyPr/>
-          <a:p>
-            <a:r>
-              <a:rPr lang="zh-CN" altLang="en-US"/>
-              <a:t>主模块：包含一些Nginx的基本控制功能</a:t>
-            </a:r>
-            <a:endParaRPr lang="zh-CN" altLang="en-US"/>
-          </a:p>
-          <a:p>
-            <a:r>
-              <a:rPr lang="zh-CN" altLang="en-US"/>
-              <a:t>事件模块：Nginx处理连接</a:t>
-            </a:r>
-            <a:endParaRPr lang="zh-CN" altLang="en-US"/>
-          </a:p>
-          <a:p>
-            <a:r>
-              <a:rPr lang="en-US" altLang="zh-CN"/>
-              <a:t>HTTP</a:t>
-            </a:r>
-            <a:r>
-              <a:rPr lang="zh-CN" altLang="en-US"/>
-              <a:t>模块：</a:t>
-            </a:r>
-            <a:r>
-              <a:rPr lang="en-US" altLang="zh-CN"/>
-              <a:t>HTTP</a:t>
-            </a:r>
-            <a:r>
-              <a:rPr lang="zh-CN" altLang="en-US"/>
-              <a:t>请求处理，包括负载均衡，代理等</a:t>
-            </a:r>
-            <a:endParaRPr lang="zh-CN" altLang="en-US"/>
-          </a:p>
-          <a:p>
-            <a:endParaRPr lang="zh-CN" altLang="en-US"/>
-          </a:p>
-          <a:p>
-            <a:endParaRPr lang="zh-CN" altLang="en-US"/>
+              <a:rPr lang="zh-CN" altLang="en-US">
+                <a:solidFill>
+                  <a:schemeClr val="accent1"/>
+                </a:solidFill>
+                <a:effectLst>
+                  <a:outerShdw blurRad="38100" dist="25400" dir="5400000" algn="ctr" rotWithShape="0">
+                    <a:srgbClr val="6E747A">
+                      <a:alpha val="43000"/>
+                    </a:srgbClr>
+                  </a:outerShdw>
+                </a:effectLst>
+              </a:rPr>
+              <a:t>非功能性需求</a:t>
+            </a:r>
+            <a:endParaRPr lang="zh-CN" altLang="en-US">
+              <a:solidFill>
+                <a:schemeClr val="accent1"/>
+              </a:solidFill>
+              <a:effectLst>
+                <a:outerShdw blurRad="38100" dist="25400" dir="5400000" algn="ctr" rotWithShape="0">
+                  <a:srgbClr val="6E747A">
+                    <a:alpha val="43000"/>
+                  </a:srgbClr>
+                </a:outerShdw>
+              </a:effectLst>
+            </a:endParaRPr>
           </a:p>
         </p:txBody>
       </p:sp>
@@ -3965,50 +4690,82 @@
 
 <file path=ppt/tags/tag1.xml><?xml version="1.0" encoding="utf-8"?>
 <p:tagLst xmlns:p="http://schemas.openxmlformats.org/presentationml/2006/main">
+  <p:tag name="KSO_WM_BEAUTIFY_FLAG" val="#wm#"/>
+  <p:tag name="KSO_WM_UNIT_TYPE" val="i"/>
+  <p:tag name="KSO_WM_UNIT_ID" val="272*i*1"/>
+</p:tagLst>
+</file>
+
+<file path=ppt/tags/tag10.xml><?xml version="1.0" encoding="utf-8"?>
+<p:tagLst xmlns:p="http://schemas.openxmlformats.org/presentationml/2006/main">
   <p:tag name="KSO_WM_TEMPLATE_CATEGORY" val="custom"/>
-  <p:tag name="KSO_WM_TEMPLATE_INDEX" val="51"/>
+  <p:tag name="KSO_WM_TEMPLATE_INDEX" val="29"/>
 </p:tagLst>
 </file>
 
 <file path=ppt/tags/tag2.xml><?xml version="1.0" encoding="utf-8"?>
 <p:tagLst xmlns:p="http://schemas.openxmlformats.org/presentationml/2006/main">
-  <p:tag name="KSO_WM_TEMPLATE_CATEGORY" val="custom"/>
-  <p:tag name="KSO_WM_TEMPLATE_INDEX" val="51"/>
+  <p:tag name="KSO_WM_BEAUTIFY_FLAG" val="#wm#"/>
+  <p:tag name="KSO_WM_UNIT_TYPE" val="i"/>
+  <p:tag name="KSO_WM_UNIT_ID" val="272*i*2"/>
 </p:tagLst>
 </file>
 
 <file path=ppt/tags/tag3.xml><?xml version="1.0" encoding="utf-8"?>
 <p:tagLst xmlns:p="http://schemas.openxmlformats.org/presentationml/2006/main">
-  <p:tag name="KSO_WM_TEMPLATE_CATEGORY" val="custom"/>
-  <p:tag name="KSO_WM_TEMPLATE_INDEX" val="51"/>
+  <p:tag name="KSO_WM_BEAUTIFY_FLAG" val="#wm#"/>
+  <p:tag name="KSO_WM_UNIT_TYPE" val="i"/>
+  <p:tag name="KSO_WM_UNIT_ID" val="272*i*1"/>
 </p:tagLst>
 </file>
 
 <file path=ppt/tags/tag4.xml><?xml version="1.0" encoding="utf-8"?>
 <p:tagLst xmlns:p="http://schemas.openxmlformats.org/presentationml/2006/main">
-  <p:tag name="KSO_WM_TEMPLATE_CATEGORY" val="custom"/>
-  <p:tag name="KSO_WM_TEMPLATE_INDEX" val="51"/>
+  <p:tag name="KSO_WM_BEAUTIFY_FLAG" val="#wm#"/>
+  <p:tag name="KSO_WM_UNIT_TYPE" val="i"/>
+  <p:tag name="KSO_WM_UNIT_ID" val="272*i*2"/>
 </p:tagLst>
 </file>
 
 <file path=ppt/tags/tag5.xml><?xml version="1.0" encoding="utf-8"?>
 <p:tagLst xmlns:p="http://schemas.openxmlformats.org/presentationml/2006/main">
   <p:tag name="KSO_WM_TEMPLATE_CATEGORY" val="custom"/>
-  <p:tag name="KSO_WM_TEMPLATE_INDEX" val="51"/>
+  <p:tag name="KSO_WM_TEMPLATE_INDEX" val="29"/>
 </p:tagLst>
 </file>
 
 <file path=ppt/tags/tag6.xml><?xml version="1.0" encoding="utf-8"?>
 <p:tagLst xmlns:p="http://schemas.openxmlformats.org/presentationml/2006/main">
   <p:tag name="KSO_WM_TEMPLATE_CATEGORY" val="custom"/>
-  <p:tag name="KSO_WM_TEMPLATE_INDEX" val="51"/>
+  <p:tag name="KSO_WM_TEMPLATE_INDEX" val="29"/>
+</p:tagLst>
+</file>
+
+<file path=ppt/tags/tag7.xml><?xml version="1.0" encoding="utf-8"?>
+<p:tagLst xmlns:p="http://schemas.openxmlformats.org/presentationml/2006/main">
+  <p:tag name="KSO_WM_TEMPLATE_CATEGORY" val="custom"/>
+  <p:tag name="KSO_WM_TEMPLATE_INDEX" val="29"/>
+</p:tagLst>
+</file>
+
+<file path=ppt/tags/tag8.xml><?xml version="1.0" encoding="utf-8"?>
+<p:tagLst xmlns:p="http://schemas.openxmlformats.org/presentationml/2006/main">
+  <p:tag name="KSO_WM_TEMPLATE_CATEGORY" val="custom"/>
+  <p:tag name="KSO_WM_TEMPLATE_INDEX" val="29"/>
+</p:tagLst>
+</file>
+
+<file path=ppt/tags/tag9.xml><?xml version="1.0" encoding="utf-8"?>
+<p:tagLst xmlns:p="http://schemas.openxmlformats.org/presentationml/2006/main">
+  <p:tag name="KSO_WM_TEMPLATE_CATEGORY" val="custom"/>
+  <p:tag name="KSO_WM_TEMPLATE_INDEX" val="29"/>
 </p:tagLst>
 </file>
 
 <file path=ppt/theme/theme1.xml><?xml version="1.0" encoding="utf-8"?>
-<a:theme xmlns:a="http://schemas.openxmlformats.org/drawingml/2006/main" name="自定义设计方案_2">
+<a:theme xmlns:a="http://schemas.openxmlformats.org/drawingml/2006/main" name="默认设计模板_2">
   <a:themeElements>
-    <a:clrScheme name="自定义 33">
+    <a:clrScheme name="PPT29">
       <a:dk1>
         <a:srgbClr val="000000"/>
       </a:dk1>
@@ -4016,19 +4773,19 @@
         <a:srgbClr val="FFFFFF"/>
       </a:lt1>
       <a:dk2>
-        <a:srgbClr val="474E52"/>
+        <a:srgbClr val="634560"/>
       </a:dk2>
       <a:lt2>
         <a:srgbClr val="808080"/>
       </a:lt2>
       <a:accent1>
-        <a:srgbClr val="CFDEF3"/>
+        <a:srgbClr val="328754"/>
       </a:accent1>
       <a:accent2>
-        <a:srgbClr val="333399"/>
+        <a:srgbClr val="69531E"/>
       </a:accent2>
       <a:accent3>
-        <a:srgbClr val="FFFFFF"/>
+        <a:srgbClr val="F39D16"/>
       </a:accent3>
       <a:accent4>
         <a:srgbClr val="000000"/>
@@ -4046,7 +4803,7 @@
         <a:srgbClr val="99CC00"/>
       </a:folHlink>
     </a:clrScheme>
-    <a:fontScheme name="自定义设计方案_2">
+    <a:fontScheme name="默认设计模板_2">
       <a:majorFont>
         <a:latin typeface="Arial"/>
         <a:ea typeface="黑体"/>
@@ -4226,7 +4983,7 @@
       </a:spPr>
       <a:bodyPr vert="horz" wrap="square" lIns="91440" tIns="45720" rIns="91440" bIns="45720" numCol="1" anchor="t" anchorCtr="0" compatLnSpc="1"/>
       <a:lstStyle>
-        <a:defPPr marL="0" marR="0" indent="0" algn="l" defTabSz="914400" rtl="0" eaLnBrk="1" fontAlgn="base" latinLnBrk="0" hangingPunct="1">
+        <a:defPPr marL="0" marR="0" indent="0" algn="l" defTabSz="914400" rtl="0" eaLnBrk="0" fontAlgn="base" latinLnBrk="0" hangingPunct="0">
           <a:spcBef>
             <a:spcPct val="0"/>
           </a:spcBef>
@@ -4237,7 +4994,7 @@
           <a:buSzTx/>
           <a:buFont typeface="Arial" pitchFamily="34" charset="0"/>
           <a:buNone/>
-          <a:defRPr kumimoji="0" lang="zh-CN" altLang="zh-CN" sz="1800" b="0" i="0" u="none" strike="noStrike" cap="none" normalizeH="0" baseline="0" smtClean="0">
+          <a:defRPr kumimoji="0" lang="zh-CN" sz="1800" b="0" i="0" u="none" strike="noStrike" cap="none" normalizeH="0" baseline="0" smtClean="0">
             <a:ln>
               <a:noFill/>
             </a:ln>
@@ -4280,7 +5037,7 @@
       </a:spPr>
       <a:bodyPr vert="horz" wrap="square" lIns="91440" tIns="45720" rIns="91440" bIns="45720" numCol="1" anchor="t" anchorCtr="0" compatLnSpc="1"/>
       <a:lstStyle>
-        <a:defPPr marL="0" marR="0" indent="0" algn="l" defTabSz="914400" rtl="0" eaLnBrk="1" fontAlgn="base" latinLnBrk="0" hangingPunct="1">
+        <a:defPPr marL="0" marR="0" indent="0" algn="l" defTabSz="914400" rtl="0" eaLnBrk="0" fontAlgn="base" latinLnBrk="0" hangingPunct="0">
           <a:spcBef>
             <a:spcPct val="0"/>
           </a:spcBef>
@@ -4291,7 +5048,7 @@
           <a:buSzTx/>
           <a:buFont typeface="Arial" pitchFamily="34" charset="0"/>
           <a:buNone/>
-          <a:defRPr kumimoji="0" lang="zh-CN" altLang="zh-CN" sz="1800" b="0" i="0" u="none" strike="noStrike" cap="none" normalizeH="0" baseline="0" smtClean="0">
+          <a:defRPr kumimoji="0" lang="zh-CN" sz="1800" b="0" i="0" u="none" strike="noStrike" cap="none" normalizeH="0" baseline="0" smtClean="0">
             <a:ln>
               <a:noFill/>
             </a:ln>
@@ -4308,7 +5065,7 @@
   </a:objectDefaults>
   <a:extraClrSchemeLst>
     <a:extraClrScheme>
-      <a:clrScheme name="自定义设计方案_2 1">
+      <a:clrScheme name="默认设计模板_2 1">
         <a:dk1>
           <a:srgbClr val="000000"/>
         </a:dk1>
@@ -4349,7 +5106,7 @@
       <a:clrMap bg1="lt1" tx1="dk1" bg2="lt2" tx2="dk2" accent1="accent1" accent2="accent2" accent3="accent3" accent4="accent4" accent5="accent5" accent6="accent6" hlink="hlink" folHlink="folHlink"/>
     </a:extraClrScheme>
     <a:extraClrScheme>
-      <a:clrScheme name="自定义设计方案_2 2">
+      <a:clrScheme name="默认设计模板_2 2">
         <a:dk1>
           <a:srgbClr val="000000"/>
         </a:dk1>
@@ -4390,7 +5147,7 @@
       <a:clrMap bg1="lt1" tx1="dk1" bg2="lt2" tx2="dk2" accent1="accent1" accent2="accent2" accent3="accent3" accent4="accent4" accent5="accent5" accent6="accent6" hlink="hlink" folHlink="folHlink"/>
     </a:extraClrScheme>
     <a:extraClrScheme>
-      <a:clrScheme name="自定义设计方案_2 3">
+      <a:clrScheme name="默认设计模板_2 3">
         <a:dk1>
           <a:srgbClr val="000000"/>
         </a:dk1>
@@ -4431,7 +5188,7 @@
       <a:clrMap bg1="lt1" tx1="dk1" bg2="lt2" tx2="dk2" accent1="accent1" accent2="accent2" accent3="accent3" accent4="accent4" accent5="accent5" accent6="accent6" hlink="hlink" folHlink="folHlink"/>
     </a:extraClrScheme>
     <a:extraClrScheme>
-      <a:clrScheme name="自定义设计方案_2 4">
+      <a:clrScheme name="默认设计模板_2 4">
         <a:dk1>
           <a:srgbClr val="000000"/>
         </a:dk1>
@@ -4472,7 +5229,7 @@
       <a:clrMap bg1="lt1" tx1="dk1" bg2="lt2" tx2="dk2" accent1="accent1" accent2="accent2" accent3="accent3" accent4="accent4" accent5="accent5" accent6="accent6" hlink="hlink" folHlink="folHlink"/>
     </a:extraClrScheme>
     <a:extraClrScheme>
-      <a:clrScheme name="自定义设计方案_2 5">
+      <a:clrScheme name="默认设计模板_2 5">
         <a:dk1>
           <a:srgbClr val="000000"/>
         </a:dk1>
@@ -4513,7 +5270,7 @@
       <a:clrMap bg1="lt1" tx1="dk1" bg2="lt2" tx2="dk2" accent1="accent1" accent2="accent2" accent3="accent3" accent4="accent4" accent5="accent5" accent6="accent6" hlink="hlink" folHlink="folHlink"/>
     </a:extraClrScheme>
     <a:extraClrScheme>
-      <a:clrScheme name="自定义设计方案_2 6">
+      <a:clrScheme name="默认设计模板_2 6">
         <a:dk1>
           <a:srgbClr val="005A58"/>
         </a:dk1>
@@ -4554,7 +5311,7 @@
       <a:clrMap bg1="dk2" tx1="lt1" bg2="dk1" tx2="lt2" accent1="accent1" accent2="accent2" accent3="accent3" accent4="accent4" accent5="accent5" accent6="accent6" hlink="hlink" folHlink="folHlink"/>
     </a:extraClrScheme>
     <a:extraClrScheme>
-      <a:clrScheme name="自定义设计方案_2 7">
+      <a:clrScheme name="默认设计模板_2 7">
         <a:dk1>
           <a:srgbClr val="5C1F00"/>
         </a:dk1>
@@ -4595,7 +5352,7 @@
       <a:clrMap bg1="dk2" tx1="lt1" bg2="dk1" tx2="lt2" accent1="accent1" accent2="accent2" accent3="accent3" accent4="accent4" accent5="accent5" accent6="accent6" hlink="hlink" folHlink="folHlink"/>
     </a:extraClrScheme>
     <a:extraClrScheme>
-      <a:clrScheme name="自定义设计方案_2 8">
+      <a:clrScheme name="默认设计模板_2 8">
         <a:dk1>
           <a:srgbClr val="003366"/>
         </a:dk1>
@@ -4636,7 +5393,7 @@
       <a:clrMap bg1="dk2" tx1="lt1" bg2="dk1" tx2="lt2" accent1="accent1" accent2="accent2" accent3="accent3" accent4="accent4" accent5="accent5" accent6="accent6" hlink="hlink" folHlink="folHlink"/>
     </a:extraClrScheme>
     <a:extraClrScheme>
-      <a:clrScheme name="自定义设计方案_2 9">
+      <a:clrScheme name="默认设计模板_2 9">
         <a:dk1>
           <a:srgbClr val="336699"/>
         </a:dk1>
@@ -4677,7 +5434,7 @@
       <a:clrMap bg1="dk2" tx1="lt1" bg2="dk1" tx2="lt2" accent1="accent1" accent2="accent2" accent3="accent3" accent4="accent4" accent5="accent5" accent6="accent6" hlink="hlink" folHlink="folHlink"/>
     </a:extraClrScheme>
     <a:extraClrScheme>
-      <a:clrScheme name="自定义设计方案_2 10">
+      <a:clrScheme name="默认设计模板_2 10">
         <a:dk1>
           <a:srgbClr val="777777"/>
         </a:dk1>
@@ -4718,7 +5475,7 @@
       <a:clrMap bg1="dk2" tx1="lt1" bg2="dk1" tx2="lt2" accent1="accent1" accent2="accent2" accent3="accent3" accent4="accent4" accent5="accent5" accent6="accent6" hlink="hlink" folHlink="folHlink"/>
     </a:extraClrScheme>
     <a:extraClrScheme>
-      <a:clrScheme name="自定义设计方案_2 11">
+      <a:clrScheme name="默认设计模板_2 11">
         <a:dk1>
           <a:srgbClr val="3E3E5C"/>
         </a:dk1>
@@ -4759,7 +5516,7 @@
       <a:clrMap bg1="dk2" tx1="lt1" bg2="dk1" tx2="lt2" accent1="accent1" accent2="accent2" accent3="accent3" accent4="accent4" accent5="accent5" accent6="accent6" hlink="hlink" folHlink="folHlink"/>
     </a:extraClrScheme>
     <a:extraClrScheme>
-      <a:clrScheme name="自定义设计方案_2 12">
+      <a:clrScheme name="默认设计模板_2 12">
         <a:dk1>
           <a:srgbClr val="2D2015"/>
         </a:dk1>
